--- a/kvantova vizika.pptx
+++ b/kvantova vizika.pptx
@@ -8,6 +8,7 @@
     <p:sldId id="256" r:id="rId2"/>
     <p:sldId id="257" r:id="rId3"/>
     <p:sldId id="258" r:id="rId4"/>
+    <p:sldId id="259" r:id="rId5"/>
   </p:sldIdLst>
   <p:sldSz cx="12192000" cy="6858000"/>
   <p:notesSz cx="6858000" cy="9144000"/>
@@ -106,6 +107,11 @@
       </a:defRPr>
     </a:lvl9pPr>
   </p:defaultTextStyle>
+  <p:extLst>
+    <p:ext uri="{EFAFB233-063F-42B5-8137-9DF3F51BA10A}">
+      <p15:sldGuideLst xmlns:p15="http://schemas.microsoft.com/office/powerpoint/2012/main"/>
+    </p:ext>
+  </p:extLst>
 </p:presentation>
 </file>
 
@@ -3330,6 +3336,16 @@
 <file path=ppt/slides/slide1.xml><?xml version="1.0" encoding="utf-8"?>
 <p:sld xmlns:a="http://schemas.openxmlformats.org/drawingml/2006/main" xmlns:r="http://schemas.openxmlformats.org/officeDocument/2006/relationships" xmlns:p="http://schemas.openxmlformats.org/presentationml/2006/main">
   <p:cSld>
+    <p:bg>
+      <p:bgPr>
+        <a:solidFill>
+          <a:schemeClr val="bg1">
+            <a:lumMod val="50000"/>
+          </a:schemeClr>
+        </a:solidFill>
+        <a:effectLst/>
+      </p:bgPr>
+    </p:bg>
     <p:spTree>
       <p:nvGrpSpPr>
         <p:cNvPr id="1" name=""/>
@@ -3346,6 +3362,52 @@
       </p:grpSpPr>
       <p:sp>
         <p:nvSpPr>
+          <p:cNvPr id="4" name="Rectangle: Rounded Corners 3">
+            <a:extLst>
+              <a:ext uri="{FF2B5EF4-FFF2-40B4-BE49-F238E27FC236}">
+                <a16:creationId xmlns:a16="http://schemas.microsoft.com/office/drawing/2014/main" id="{BFF9201A-E3A2-A352-82D0-274E5675057A}"/>
+              </a:ext>
+            </a:extLst>
+          </p:cNvPr>
+          <p:cNvSpPr/>
+          <p:nvPr/>
+        </p:nvSpPr>
+        <p:spPr>
+          <a:xfrm>
+            <a:off x="1406769" y="1556238"/>
+            <a:ext cx="9144000" cy="3086100"/>
+          </a:xfrm>
+          <a:prstGeom prst="roundRect">
+            <a:avLst/>
+          </a:prstGeom>
+        </p:spPr>
+        <p:style>
+          <a:lnRef idx="2">
+            <a:schemeClr val="accent1">
+              <a:shade val="15000"/>
+            </a:schemeClr>
+          </a:lnRef>
+          <a:fillRef idx="1">
+            <a:schemeClr val="accent1"/>
+          </a:fillRef>
+          <a:effectRef idx="0">
+            <a:schemeClr val="accent1"/>
+          </a:effectRef>
+          <a:fontRef idx="minor">
+            <a:schemeClr val="lt1"/>
+          </a:fontRef>
+        </p:style>
+        <p:txBody>
+          <a:bodyPr rtlCol="0" anchor="ctr"/>
+          <a:lstStyle/>
+          <a:p>
+            <a:pPr algn="ctr"/>
+            <a:endParaRPr lang="bg-BG"/>
+          </a:p>
+        </p:txBody>
+      </p:sp>
+      <p:sp>
+        <p:nvSpPr>
           <p:cNvPr id="2" name="Title 1">
             <a:extLst>
               <a:ext uri="{FF2B5EF4-FFF2-40B4-BE49-F238E27FC236}">
@@ -3407,6 +3469,53 @@
           </a:p>
         </p:txBody>
       </p:sp>
+      <p:pic>
+        <p:nvPicPr>
+          <p:cNvPr id="1026" name="Picture 2" descr="Cristiano Ronaldo Drinking GIF - Cristiano Ronaldo Drinking Wink - Discover  &amp; Share GIFs">
+            <a:extLst>
+              <a:ext uri="{FF2B5EF4-FFF2-40B4-BE49-F238E27FC236}">
+                <a16:creationId xmlns:a16="http://schemas.microsoft.com/office/drawing/2014/main" id="{E69AE2B2-969C-5419-A351-E8F335E305CD}"/>
+              </a:ext>
+            </a:extLst>
+          </p:cNvPr>
+          <p:cNvPicPr>
+            <a:picLocks noChangeAspect="1" noChangeArrowheads="1"/>
+          </p:cNvPicPr>
+          <p:nvPr/>
+        </p:nvPicPr>
+        <p:blipFill>
+          <a:blip r:embed="rId2">
+            <a:extLst>
+              <a:ext uri="{28A0092B-C50C-407E-A947-70E740481C1C}">
+                <a14:useLocalDpi xmlns:a14="http://schemas.microsoft.com/office/drawing/2010/main" val="0"/>
+              </a:ext>
+            </a:extLst>
+          </a:blip>
+          <a:srcRect/>
+          <a:stretch>
+            <a:fillRect/>
+          </a:stretch>
+        </p:blipFill>
+        <p:spPr bwMode="auto">
+          <a:xfrm>
+            <a:off x="10512416" y="5002823"/>
+            <a:ext cx="1679584" cy="1855177"/>
+          </a:xfrm>
+          <a:prstGeom prst="rect">
+            <a:avLst/>
+          </a:prstGeom>
+          <a:noFill/>
+          <a:extLst>
+            <a:ext uri="{909E8E84-426E-40DD-AFC4-6F175D3DCCD1}">
+              <a14:hiddenFill xmlns:a14="http://schemas.microsoft.com/office/drawing/2010/main">
+                <a:solidFill>
+                  <a:srgbClr val="FFFFFF"/>
+                </a:solidFill>
+              </a14:hiddenFill>
+            </a:ext>
+          </a:extLst>
+        </p:spPr>
+      </p:pic>
     </p:spTree>
     <p:extLst>
       <p:ext uri="{BB962C8B-B14F-4D97-AF65-F5344CB8AC3E}">
@@ -3423,6 +3532,16 @@
 <file path=ppt/slides/slide2.xml><?xml version="1.0" encoding="utf-8"?>
 <p:sld xmlns:a="http://schemas.openxmlformats.org/drawingml/2006/main" xmlns:r="http://schemas.openxmlformats.org/officeDocument/2006/relationships" xmlns:p="http://schemas.openxmlformats.org/presentationml/2006/main">
   <p:cSld>
+    <p:bg>
+      <p:bgPr>
+        <a:solidFill>
+          <a:schemeClr val="bg1">
+            <a:lumMod val="50000"/>
+          </a:schemeClr>
+        </a:solidFill>
+        <a:effectLst/>
+      </p:bgPr>
+    </p:bg>
     <p:spTree>
       <p:nvGrpSpPr>
         <p:cNvPr id="1" name=""/>
@@ -3439,6 +3558,52 @@
       </p:grpSpPr>
       <p:sp>
         <p:nvSpPr>
+          <p:cNvPr id="4" name="Rectangle: Rounded Corners 3">
+            <a:extLst>
+              <a:ext uri="{FF2B5EF4-FFF2-40B4-BE49-F238E27FC236}">
+                <a16:creationId xmlns:a16="http://schemas.microsoft.com/office/drawing/2014/main" id="{4FCC84E5-0F15-3C2B-7649-E86FD83CC017}"/>
+              </a:ext>
+            </a:extLst>
+          </p:cNvPr>
+          <p:cNvSpPr/>
+          <p:nvPr/>
+        </p:nvSpPr>
+        <p:spPr>
+          <a:xfrm>
+            <a:off x="291830" y="184826"/>
+            <a:ext cx="11439728" cy="6164735"/>
+          </a:xfrm>
+          <a:prstGeom prst="roundRect">
+            <a:avLst/>
+          </a:prstGeom>
+        </p:spPr>
+        <p:style>
+          <a:lnRef idx="2">
+            <a:schemeClr val="accent1">
+              <a:shade val="15000"/>
+            </a:schemeClr>
+          </a:lnRef>
+          <a:fillRef idx="1">
+            <a:schemeClr val="accent1"/>
+          </a:fillRef>
+          <a:effectRef idx="0">
+            <a:schemeClr val="accent1"/>
+          </a:effectRef>
+          <a:fontRef idx="minor">
+            <a:schemeClr val="lt1"/>
+          </a:fontRef>
+        </p:style>
+        <p:txBody>
+          <a:bodyPr rtlCol="0" anchor="ctr"/>
+          <a:lstStyle/>
+          <a:p>
+            <a:pPr algn="ctr"/>
+            <a:endParaRPr lang="bg-BG"/>
+          </a:p>
+        </p:txBody>
+      </p:sp>
+      <p:sp>
+        <p:nvSpPr>
           <p:cNvPr id="2" name="Title 1">
             <a:extLst>
               <a:ext uri="{FF2B5EF4-FFF2-40B4-BE49-F238E27FC236}">
@@ -3512,10 +3677,146 @@
   <p:clrMapOvr>
     <a:masterClrMapping/>
   </p:clrMapOvr>
+  <mc:AlternateContent xmlns:mc="http://schemas.openxmlformats.org/markup-compatibility/2006">
+    <mc:Choice xmlns:p159="http://schemas.microsoft.com/office/powerpoint/2015/09/main" Requires="p159">
+      <p:transition xmlns:p14="http://schemas.microsoft.com/office/powerpoint/2010/main" spd="slow" p14:dur="2000">
+        <p159:morph option="byObject"/>
+      </p:transition>
+    </mc:Choice>
+    <mc:Fallback>
+      <p:transition spd="slow">
+        <p:fade/>
+      </p:transition>
+    </mc:Fallback>
+  </mc:AlternateContent>
 </p:sld>
 </file>
 
 <file path=ppt/slides/slide3.xml><?xml version="1.0" encoding="utf-8"?>
+<p:sld xmlns:a="http://schemas.openxmlformats.org/drawingml/2006/main" xmlns:r="http://schemas.openxmlformats.org/officeDocument/2006/relationships" xmlns:p="http://schemas.openxmlformats.org/presentationml/2006/main">
+  <p:cSld>
+    <p:bg>
+      <p:bgPr>
+        <a:solidFill>
+          <a:schemeClr val="tx2">
+            <a:lumMod val="60000"/>
+            <a:lumOff val="40000"/>
+          </a:schemeClr>
+        </a:solidFill>
+        <a:effectLst/>
+      </p:bgPr>
+    </p:bg>
+    <p:spTree>
+      <p:nvGrpSpPr>
+        <p:cNvPr id="1" name=""/>
+        <p:cNvGrpSpPr/>
+        <p:nvPr/>
+      </p:nvGrpSpPr>
+      <p:grpSpPr>
+        <a:xfrm>
+          <a:off x="0" y="0"/>
+          <a:ext cx="0" cy="0"/>
+          <a:chOff x="0" y="0"/>
+          <a:chExt cx="0" cy="0"/>
+        </a:xfrm>
+      </p:grpSpPr>
+      <p:sp>
+        <p:nvSpPr>
+          <p:cNvPr id="4" name="Title 3">
+            <a:extLst>
+              <a:ext uri="{FF2B5EF4-FFF2-40B4-BE49-F238E27FC236}">
+                <a16:creationId xmlns:a16="http://schemas.microsoft.com/office/drawing/2014/main" id="{F58C6D20-5AC7-2572-0381-A2A2B29CC69B}"/>
+              </a:ext>
+            </a:extLst>
+          </p:cNvPr>
+          <p:cNvSpPr>
+            <a:spLocks noGrp="1"/>
+          </p:cNvSpPr>
+          <p:nvPr>
+            <p:ph type="title"/>
+          </p:nvPr>
+        </p:nvSpPr>
+        <p:spPr/>
+        <p:txBody>
+          <a:bodyPr/>
+          <a:lstStyle/>
+          <a:p>
+            <a:pPr algn="ctr"/>
+            <a:r>
+              <a:rPr lang="bg-BG" dirty="0"/>
+              <a:t>Принципи на квантовата физика</a:t>
+            </a:r>
+          </a:p>
+        </p:txBody>
+      </p:sp>
+      <p:sp>
+        <p:nvSpPr>
+          <p:cNvPr id="5" name="Arrow: Down 4">
+            <a:extLst>
+              <a:ext uri="{FF2B5EF4-FFF2-40B4-BE49-F238E27FC236}">
+                <a16:creationId xmlns:a16="http://schemas.microsoft.com/office/drawing/2014/main" id="{4E0DB2C8-3DE1-F812-DBE5-799AF0EABC60}"/>
+              </a:ext>
+            </a:extLst>
+          </p:cNvPr>
+          <p:cNvSpPr/>
+          <p:nvPr/>
+        </p:nvSpPr>
+        <p:spPr>
+          <a:xfrm>
+            <a:off x="5235102" y="1838528"/>
+            <a:ext cx="1721796" cy="4124527"/>
+          </a:xfrm>
+          <a:prstGeom prst="downArrow">
+            <a:avLst/>
+          </a:prstGeom>
+          <a:solidFill>
+            <a:schemeClr val="accent6">
+              <a:lumMod val="75000"/>
+            </a:schemeClr>
+          </a:solidFill>
+        </p:spPr>
+        <p:style>
+          <a:lnRef idx="2">
+            <a:schemeClr val="accent1">
+              <a:shade val="15000"/>
+            </a:schemeClr>
+          </a:lnRef>
+          <a:fillRef idx="1">
+            <a:schemeClr val="accent1"/>
+          </a:fillRef>
+          <a:effectRef idx="0">
+            <a:schemeClr val="accent1"/>
+          </a:effectRef>
+          <a:fontRef idx="minor">
+            <a:schemeClr val="lt1"/>
+          </a:fontRef>
+        </p:style>
+        <p:txBody>
+          <a:bodyPr rtlCol="0" anchor="ctr"/>
+          <a:lstStyle/>
+          <a:p>
+            <a:pPr algn="ctr"/>
+            <a:endParaRPr lang="bg-BG"/>
+          </a:p>
+        </p:txBody>
+      </p:sp>
+    </p:spTree>
+    <p:extLst>
+      <p:ext uri="{BB962C8B-B14F-4D97-AF65-F5344CB8AC3E}">
+        <p14:creationId xmlns:p14="http://schemas.microsoft.com/office/powerpoint/2010/main" val="1821443882"/>
+      </p:ext>
+    </p:extLst>
+  </p:cSld>
+  <p:clrMapOvr>
+    <a:masterClrMapping/>
+  </p:clrMapOvr>
+  <p:transition spd="slow">
+    <p:push dir="u"/>
+  </p:transition>
+</p:sld>
+</file>
+
+<file path=ppt/slides/slide4.xml><?xml version="1.0" encoding="utf-8"?>
 <p:sld xmlns:a="http://schemas.openxmlformats.org/drawingml/2006/main" xmlns:r="http://schemas.openxmlformats.org/officeDocument/2006/relationships" xmlns:p="http://schemas.openxmlformats.org/presentationml/2006/main">
   <p:cSld>
     <p:spTree>
@@ -3534,10 +3835,10 @@
       </p:grpSpPr>
       <p:sp>
         <p:nvSpPr>
-          <p:cNvPr id="2" name="Title 1">
-            <a:extLst>
-              <a:ext uri="{FF2B5EF4-FFF2-40B4-BE49-F238E27FC236}">
-                <a16:creationId xmlns:a16="http://schemas.microsoft.com/office/drawing/2014/main" id="{932706F6-75DD-6EB4-609E-D7F52A05F4F0}"/>
+          <p:cNvPr id="3" name="Title 2">
+            <a:extLst>
+              <a:ext uri="{FF2B5EF4-FFF2-40B4-BE49-F238E27FC236}">
+                <a16:creationId xmlns:a16="http://schemas.microsoft.com/office/drawing/2014/main" id="{22F45010-BA56-9BB5-D5A3-0939C1AD0143}"/>
               </a:ext>
             </a:extLst>
           </p:cNvPr>
@@ -3559,10 +3860,10 @@
       </p:sp>
       <p:sp>
         <p:nvSpPr>
-          <p:cNvPr id="3" name="Content Placeholder 2">
-            <a:extLst>
-              <a:ext uri="{FF2B5EF4-FFF2-40B4-BE49-F238E27FC236}">
-                <a16:creationId xmlns:a16="http://schemas.microsoft.com/office/drawing/2014/main" id="{CDB13A01-A154-E646-1DE9-0B70C2C1820A}"/>
+          <p:cNvPr id="4" name="Content Placeholder 3">
+            <a:extLst>
+              <a:ext uri="{FF2B5EF4-FFF2-40B4-BE49-F238E27FC236}">
+                <a16:creationId xmlns:a16="http://schemas.microsoft.com/office/drawing/2014/main" id="{2D4FDBB1-3825-FF41-A7DE-CB0CB8D2B8E4}"/>
               </a:ext>
             </a:extLst>
           </p:cNvPr>
@@ -3585,13 +3886,16 @@
     </p:spTree>
     <p:extLst>
       <p:ext uri="{BB962C8B-B14F-4D97-AF65-F5344CB8AC3E}">
-        <p14:creationId xmlns:p14="http://schemas.microsoft.com/office/powerpoint/2010/main" val="1821443882"/>
+        <p14:creationId xmlns:p14="http://schemas.microsoft.com/office/powerpoint/2010/main" val="862350978"/>
       </p:ext>
     </p:extLst>
   </p:cSld>
   <p:clrMapOvr>
     <a:masterClrMapping/>
   </p:clrMapOvr>
+  <p:transition spd="slow">
+    <p:push dir="u"/>
+  </p:transition>
 </p:sld>
 </file>
 

--- a/kvantova vizika.pptx
+++ b/kvantova vizika.pptx
@@ -8,7 +8,8 @@
     <p:sldId id="256" r:id="rId2"/>
     <p:sldId id="257" r:id="rId3"/>
     <p:sldId id="258" r:id="rId4"/>
-    <p:sldId id="259" r:id="rId5"/>
+    <p:sldId id="260" r:id="rId5"/>
+    <p:sldId id="261" r:id="rId6"/>
   </p:sldIdLst>
   <p:sldSz cx="12192000" cy="6858000"/>
   <p:notesSz cx="6858000" cy="9144000"/>
@@ -3677,13 +3678,13 @@
   <p:clrMapOvr>
     <a:masterClrMapping/>
   </p:clrMapOvr>
-  <mc:AlternateContent xmlns:mc="http://schemas.openxmlformats.org/markup-compatibility/2006">
-    <mc:Choice xmlns:p159="http://schemas.microsoft.com/office/powerpoint/2015/09/main" Requires="p159">
+  <mc:AlternateContent xmlns:mc="http://schemas.openxmlformats.org/markup-compatibility/2006" xmlns:p159="http://schemas.microsoft.com/office/powerpoint/2015/09/main">
+    <mc:Choice Requires="p159">
       <p:transition xmlns:p14="http://schemas.microsoft.com/office/powerpoint/2010/main" spd="slow" p14:dur="2000">
         <p159:morph option="byObject"/>
       </p:transition>
     </mc:Choice>
-    <mc:Fallback>
+    <mc:Fallback xmlns="">
       <p:transition spd="slow">
         <p:fade/>
       </p:transition>
@@ -3835,10 +3836,10 @@
       </p:grpSpPr>
       <p:sp>
         <p:nvSpPr>
-          <p:cNvPr id="3" name="Title 2">
-            <a:extLst>
-              <a:ext uri="{FF2B5EF4-FFF2-40B4-BE49-F238E27FC236}">
-                <a16:creationId xmlns:a16="http://schemas.microsoft.com/office/drawing/2014/main" id="{22F45010-BA56-9BB5-D5A3-0939C1AD0143}"/>
+          <p:cNvPr id="7" name="Title 6">
+            <a:extLst>
+              <a:ext uri="{FF2B5EF4-FFF2-40B4-BE49-F238E27FC236}">
+                <a16:creationId xmlns:a16="http://schemas.microsoft.com/office/drawing/2014/main" id="{52E954EF-7065-4FA5-A9E3-37E4BCE80323}"/>
               </a:ext>
             </a:extLst>
           </p:cNvPr>
@@ -3854,48 +3855,332 @@
           <a:bodyPr/>
           <a:lstStyle/>
           <a:p>
-            <a:endParaRPr lang="bg-BG"/>
-          </a:p>
-        </p:txBody>
-      </p:sp>
-      <p:sp>
-        <p:nvSpPr>
-          <p:cNvPr id="4" name="Content Placeholder 3">
-            <a:extLst>
-              <a:ext uri="{FF2B5EF4-FFF2-40B4-BE49-F238E27FC236}">
-                <a16:creationId xmlns:a16="http://schemas.microsoft.com/office/drawing/2014/main" id="{2D4FDBB1-3825-FF41-A7DE-CB0CB8D2B8E4}"/>
-              </a:ext>
-            </a:extLst>
-          </p:cNvPr>
-          <p:cNvSpPr>
-            <a:spLocks noGrp="1"/>
-          </p:cNvSpPr>
-          <p:nvPr>
-            <p:ph idx="1"/>
-          </p:nvPr>
-        </p:nvSpPr>
-        <p:spPr/>
-        <p:txBody>
-          <a:bodyPr/>
-          <a:lstStyle/>
-          <a:p>
-            <a:endParaRPr lang="bg-BG"/>
+            <a:r>
+              <a:rPr lang="bg-BG" dirty="0"/>
+              <a:t>1. Квантуване на енергията</a:t>
+            </a:r>
+          </a:p>
+        </p:txBody>
+      </p:sp>
+      <p:sp>
+        <p:nvSpPr>
+          <p:cNvPr id="8" name="Text Placeholder 7">
+            <a:extLst>
+              <a:ext uri="{FF2B5EF4-FFF2-40B4-BE49-F238E27FC236}">
+                <a16:creationId xmlns:a16="http://schemas.microsoft.com/office/drawing/2014/main" id="{CDD0C73B-CDCC-C8A7-0346-F063431A7860}"/>
+              </a:ext>
+            </a:extLst>
+          </p:cNvPr>
+          <p:cNvSpPr>
+            <a:spLocks noGrp="1"/>
+          </p:cNvSpPr>
+          <p:nvPr>
+            <p:ph type="body" idx="1"/>
+          </p:nvPr>
+        </p:nvSpPr>
+        <p:spPr/>
+        <p:txBody>
+          <a:bodyPr/>
+          <a:lstStyle/>
+          <a:p>
+            <a:r>
+              <a:rPr lang="ru-RU" b="1" dirty="0">
+                <a:solidFill>
+                  <a:schemeClr val="tx1"/>
+                </a:solidFill>
+              </a:rPr>
+              <a:t>Учен:</a:t>
+            </a:r>
+            <a:r>
+              <a:rPr lang="ru-RU" dirty="0">
+                <a:solidFill>
+                  <a:schemeClr val="tx1"/>
+                </a:solidFill>
+              </a:rPr>
+              <a:t> Макс Планк</a:t>
+            </a:r>
+            <a:br>
+              <a:rPr lang="ru-RU" dirty="0">
+                <a:solidFill>
+                  <a:schemeClr val="tx1"/>
+                </a:solidFill>
+              </a:rPr>
+            </a:br>
+            <a:r>
+              <a:rPr lang="ru-RU" b="1" dirty="0">
+                <a:solidFill>
+                  <a:schemeClr val="tx1"/>
+                </a:solidFill>
+              </a:rPr>
+              <a:t>Година:</a:t>
+            </a:r>
+            <a:r>
+              <a:rPr lang="ru-RU" dirty="0">
+                <a:solidFill>
+                  <a:schemeClr val="tx1"/>
+                </a:solidFill>
+              </a:rPr>
+              <a:t> 1900 г.</a:t>
+            </a:r>
+            <a:endParaRPr lang="bg-BG" dirty="0">
+              <a:solidFill>
+                <a:schemeClr val="tx1"/>
+              </a:solidFill>
+            </a:endParaRPr>
           </a:p>
         </p:txBody>
       </p:sp>
     </p:spTree>
     <p:extLst>
       <p:ext uri="{BB962C8B-B14F-4D97-AF65-F5344CB8AC3E}">
-        <p14:creationId xmlns:p14="http://schemas.microsoft.com/office/powerpoint/2010/main" val="862350978"/>
+        <p14:creationId xmlns:p14="http://schemas.microsoft.com/office/powerpoint/2010/main" val="471722488"/>
       </p:ext>
     </p:extLst>
   </p:cSld>
   <p:clrMapOvr>
     <a:masterClrMapping/>
   </p:clrMapOvr>
-  <p:transition spd="slow">
-    <p:push dir="u"/>
-  </p:transition>
+</p:sld>
+</file>
+
+<file path=ppt/slides/slide5.xml><?xml version="1.0" encoding="utf-8"?>
+<p:sld xmlns:a="http://schemas.openxmlformats.org/drawingml/2006/main" xmlns:r="http://schemas.openxmlformats.org/officeDocument/2006/relationships" xmlns:p="http://schemas.openxmlformats.org/presentationml/2006/main">
+  <p:cSld>
+    <p:spTree>
+      <p:nvGrpSpPr>
+        <p:cNvPr id="1" name=""/>
+        <p:cNvGrpSpPr/>
+        <p:nvPr/>
+      </p:nvGrpSpPr>
+      <p:grpSpPr>
+        <a:xfrm>
+          <a:off x="0" y="0"/>
+          <a:ext cx="0" cy="0"/>
+          <a:chOff x="0" y="0"/>
+          <a:chExt cx="0" cy="0"/>
+        </a:xfrm>
+      </p:grpSpPr>
+      <p:sp>
+        <p:nvSpPr>
+          <p:cNvPr id="3" name="Content Placeholder 2">
+            <a:extLst>
+              <a:ext uri="{FF2B5EF4-FFF2-40B4-BE49-F238E27FC236}">
+                <a16:creationId xmlns:a16="http://schemas.microsoft.com/office/drawing/2014/main" id="{0F0F89B0-5DBC-6758-A359-1DBDA5951296}"/>
+              </a:ext>
+            </a:extLst>
+          </p:cNvPr>
+          <p:cNvSpPr>
+            <a:spLocks noGrp="1"/>
+          </p:cNvSpPr>
+          <p:nvPr>
+            <p:ph sz="half" idx="1"/>
+          </p:nvPr>
+        </p:nvSpPr>
+        <p:spPr>
+          <a:xfrm>
+            <a:off x="838200" y="465992"/>
+            <a:ext cx="5181600" cy="5710971"/>
+          </a:xfrm>
+        </p:spPr>
+        <p:txBody>
+          <a:bodyPr>
+            <a:normAutofit fontScale="92500" lnSpcReduction="10000"/>
+          </a:bodyPr>
+          <a:lstStyle/>
+          <a:p>
+            <a:r>
+              <a:rPr lang="ru-RU" sz="2400" b="1" dirty="0"/>
+              <a:t>Теория</a:t>
+            </a:r>
+            <a:r>
+              <a:rPr lang="en-US" sz="2400" b="1" dirty="0"/>
+              <a:t>:</a:t>
+            </a:r>
+            <a:endParaRPr lang="ru-RU" sz="2400" b="1" dirty="0"/>
+          </a:p>
+          <a:p>
+            <a:pPr marL="0" indent="0">
+              <a:buNone/>
+            </a:pPr>
+            <a:r>
+              <a:rPr lang="ru-RU" sz="2400" dirty="0"/>
+              <a:t>Планк открива, че енергията </a:t>
+            </a:r>
+            <a:r>
+              <a:rPr lang="ru-RU" sz="2400" b="1" dirty="0"/>
+              <a:t>не се излъчва и поглъща непрекъснато</a:t>
+            </a:r>
+            <a:r>
+              <a:rPr lang="ru-RU" sz="2400" dirty="0"/>
+              <a:t>, а на </a:t>
+            </a:r>
+            <a:r>
+              <a:rPr lang="ru-RU" sz="2400" b="1" dirty="0"/>
+              <a:t>малки порции</a:t>
+            </a:r>
+            <a:r>
+              <a:rPr lang="ru-RU" sz="2400" dirty="0"/>
+              <a:t>, наречени </a:t>
+            </a:r>
+            <a:r>
+              <a:rPr lang="ru-RU" sz="2400" b="1" dirty="0"/>
+              <a:t>кванти</a:t>
+            </a:r>
+            <a:r>
+              <a:rPr lang="ru-RU" sz="2400" dirty="0"/>
+              <a:t>. Това е коренно различно от класическата физика, която приема, че енергията може да има всякакви стойности.</a:t>
+            </a:r>
+          </a:p>
+          <a:p>
+            <a:r>
+              <a:rPr lang="ru-RU" sz="2400" dirty="0"/>
+              <a:t>Той въвежда формулата:</a:t>
+            </a:r>
+            <a:br>
+              <a:rPr lang="ru-RU" sz="2400" dirty="0"/>
+            </a:br>
+            <a:r>
+              <a:rPr lang="ru-RU" sz="2400" b="1" dirty="0"/>
+              <a:t>E = h · f</a:t>
+            </a:r>
+            <a:r>
+              <a:rPr lang="ru-RU" sz="2400" dirty="0"/>
+              <a:t>,</a:t>
+            </a:r>
+            <a:br>
+              <a:rPr lang="ru-RU" sz="2400" dirty="0"/>
+            </a:br>
+            <a:r>
+              <a:rPr lang="ru-RU" sz="2400" dirty="0"/>
+              <a:t>където </a:t>
+            </a:r>
+            <a:r>
+              <a:rPr lang="ru-RU" sz="2400" i="1" dirty="0"/>
+              <a:t>h</a:t>
+            </a:r>
+            <a:r>
+              <a:rPr lang="ru-RU" sz="2400" dirty="0"/>
+              <a:t> е константата на Планк, а </a:t>
+            </a:r>
+            <a:r>
+              <a:rPr lang="ru-RU" sz="2400" i="1" dirty="0"/>
+              <a:t>f</a:t>
+            </a:r>
+            <a:r>
+              <a:rPr lang="ru-RU" sz="2400" dirty="0"/>
+              <a:t> – честотата.</a:t>
+            </a:r>
+          </a:p>
+          <a:p>
+            <a:r>
+              <a:rPr lang="ru-RU" sz="2400" b="1" dirty="0"/>
+              <a:t>Пример</a:t>
+            </a:r>
+            <a:r>
+              <a:rPr lang="en-US" sz="2400" b="1" dirty="0"/>
+              <a:t>:</a:t>
+            </a:r>
+            <a:endParaRPr lang="ru-RU" sz="2400" b="1" dirty="0"/>
+          </a:p>
+          <a:p>
+            <a:pPr marL="0" indent="0">
+              <a:buNone/>
+            </a:pPr>
+            <a:r>
+              <a:rPr lang="ru-RU" sz="2400" dirty="0"/>
+              <a:t>Представи си стълбище. Можеш да стъпиш </a:t>
+            </a:r>
+            <a:r>
+              <a:rPr lang="ru-RU" sz="2400" b="1" dirty="0"/>
+              <a:t>само на стъпалата</a:t>
+            </a:r>
+            <a:r>
+              <a:rPr lang="ru-RU" sz="2400" dirty="0"/>
+              <a:t>, а не между тях.</a:t>
+            </a:r>
+            <a:br>
+              <a:rPr lang="ru-RU" sz="2400" dirty="0"/>
+            </a:br>
+            <a:r>
+              <a:rPr lang="ru-RU" sz="2400" dirty="0"/>
+              <a:t>По същия начин електронът може да има </a:t>
+            </a:r>
+            <a:r>
+              <a:rPr lang="ru-RU" sz="2400" b="1" dirty="0"/>
+              <a:t>само определени енергийни нива</a:t>
+            </a:r>
+            <a:r>
+              <a:rPr lang="ru-RU" sz="2400" dirty="0"/>
+              <a:t>, а не произволни.</a:t>
+            </a:r>
+          </a:p>
+          <a:p>
+            <a:pPr marL="0" indent="0">
+              <a:buNone/>
+            </a:pPr>
+            <a:endParaRPr lang="bg-BG" sz="2400" dirty="0"/>
+          </a:p>
+        </p:txBody>
+      </p:sp>
+      <p:pic>
+        <p:nvPicPr>
+          <p:cNvPr id="1026" name="Picture 2" descr="На тази дата Нилс Бор завършва статията си, която полага началото на  квантовата теория | Физика">
+            <a:extLst>
+              <a:ext uri="{FF2B5EF4-FFF2-40B4-BE49-F238E27FC236}">
+                <a16:creationId xmlns:a16="http://schemas.microsoft.com/office/drawing/2014/main" id="{D8DD4041-EB15-985B-7DCF-F169787F1102}"/>
+              </a:ext>
+            </a:extLst>
+          </p:cNvPr>
+          <p:cNvPicPr>
+            <a:picLocks noGrp="1" noChangeAspect="1" noChangeArrowheads="1"/>
+          </p:cNvPicPr>
+          <p:nvPr>
+            <p:ph sz="half" idx="2"/>
+          </p:nvPr>
+        </p:nvPicPr>
+        <p:blipFill>
+          <a:blip r:embed="rId2">
+            <a:extLst>
+              <a:ext uri="{28A0092B-C50C-407E-A947-70E740481C1C}">
+                <a14:useLocalDpi xmlns:a14="http://schemas.microsoft.com/office/drawing/2010/main" val="0"/>
+              </a:ext>
+            </a:extLst>
+          </a:blip>
+          <a:srcRect/>
+          <a:stretch>
+            <a:fillRect/>
+          </a:stretch>
+        </p:blipFill>
+        <p:spPr bwMode="auto">
+          <a:xfrm>
+            <a:off x="6172202" y="1476339"/>
+            <a:ext cx="5802923" cy="3699363"/>
+          </a:xfrm>
+          <a:prstGeom prst="rect">
+            <a:avLst/>
+          </a:prstGeom>
+          <a:noFill/>
+          <a:extLst>
+            <a:ext uri="{909E8E84-426E-40DD-AFC4-6F175D3DCCD1}">
+              <a14:hiddenFill xmlns:a14="http://schemas.microsoft.com/office/drawing/2010/main">
+                <a:solidFill>
+                  <a:srgbClr val="FFFFFF"/>
+                </a:solidFill>
+              </a14:hiddenFill>
+            </a:ext>
+          </a:extLst>
+        </p:spPr>
+      </p:pic>
+    </p:spTree>
+    <p:extLst>
+      <p:ext uri="{BB962C8B-B14F-4D97-AF65-F5344CB8AC3E}">
+        <p14:creationId xmlns:p14="http://schemas.microsoft.com/office/powerpoint/2010/main" val="3969770575"/>
+      </p:ext>
+    </p:extLst>
+  </p:cSld>
+  <p:clrMapOvr>
+    <a:masterClrMapping/>
+  </p:clrMapOvr>
 </p:sld>
 </file>
 

--- a/kvantova vizika.pptx
+++ b/kvantova vizika.pptx
@@ -10,6 +10,10 @@
     <p:sldId id="258" r:id="rId4"/>
     <p:sldId id="260" r:id="rId5"/>
     <p:sldId id="261" r:id="rId6"/>
+    <p:sldId id="262" r:id="rId7"/>
+    <p:sldId id="263" r:id="rId8"/>
+    <p:sldId id="264" r:id="rId9"/>
+    <p:sldId id="265" r:id="rId10"/>
   </p:sldIdLst>
   <p:sldSz cx="12192000" cy="6858000"/>
   <p:notesSz cx="6858000" cy="9144000"/>
@@ -3978,7 +3982,7 @@
         </p:nvSpPr>
         <p:spPr>
           <a:xfrm>
-            <a:off x="838200" y="465992"/>
+            <a:off x="838199" y="573514"/>
             <a:ext cx="5181600" cy="5710971"/>
           </a:xfrm>
         </p:spPr>
@@ -4153,7 +4157,7 @@
         </p:blipFill>
         <p:spPr bwMode="auto">
           <a:xfrm>
-            <a:off x="6172202" y="1476339"/>
+            <a:off x="6172203" y="1579317"/>
             <a:ext cx="5802923" cy="3699363"/>
           </a:xfrm>
           <a:prstGeom prst="rect">
@@ -4175,6 +4179,633 @@
     <p:extLst>
       <p:ext uri="{BB962C8B-B14F-4D97-AF65-F5344CB8AC3E}">
         <p14:creationId xmlns:p14="http://schemas.microsoft.com/office/powerpoint/2010/main" val="3969770575"/>
+      </p:ext>
+    </p:extLst>
+  </p:cSld>
+  <p:clrMapOvr>
+    <a:masterClrMapping/>
+  </p:clrMapOvr>
+</p:sld>
+</file>
+
+<file path=ppt/slides/slide6.xml><?xml version="1.0" encoding="utf-8"?>
+<p:sld xmlns:a="http://schemas.openxmlformats.org/drawingml/2006/main" xmlns:r="http://schemas.openxmlformats.org/officeDocument/2006/relationships" xmlns:p="http://schemas.openxmlformats.org/presentationml/2006/main">
+  <p:cSld>
+    <p:spTree>
+      <p:nvGrpSpPr>
+        <p:cNvPr id="1" name=""/>
+        <p:cNvGrpSpPr/>
+        <p:nvPr/>
+      </p:nvGrpSpPr>
+      <p:grpSpPr>
+        <a:xfrm>
+          <a:off x="0" y="0"/>
+          <a:ext cx="0" cy="0"/>
+          <a:chOff x="0" y="0"/>
+          <a:chExt cx="0" cy="0"/>
+        </a:xfrm>
+      </p:grpSpPr>
+      <p:sp>
+        <p:nvSpPr>
+          <p:cNvPr id="2" name="Title 1">
+            <a:extLst>
+              <a:ext uri="{FF2B5EF4-FFF2-40B4-BE49-F238E27FC236}">
+                <a16:creationId xmlns:a16="http://schemas.microsoft.com/office/drawing/2014/main" id="{1FB7A977-7A78-7A44-95EB-1A2200F385BF}"/>
+              </a:ext>
+            </a:extLst>
+          </p:cNvPr>
+          <p:cNvSpPr>
+            <a:spLocks noGrp="1"/>
+          </p:cNvSpPr>
+          <p:nvPr>
+            <p:ph type="title"/>
+          </p:nvPr>
+        </p:nvSpPr>
+        <p:spPr/>
+        <p:txBody>
+          <a:bodyPr/>
+          <a:lstStyle/>
+          <a:p>
+            <a:r>
+              <a:rPr lang="bg-BG" dirty="0"/>
+              <a:t>2. Фотоелектричен ефект</a:t>
+            </a:r>
+          </a:p>
+        </p:txBody>
+      </p:sp>
+      <p:sp>
+        <p:nvSpPr>
+          <p:cNvPr id="3" name="Text Placeholder 2">
+            <a:extLst>
+              <a:ext uri="{FF2B5EF4-FFF2-40B4-BE49-F238E27FC236}">
+                <a16:creationId xmlns:a16="http://schemas.microsoft.com/office/drawing/2014/main" id="{BB892E58-5435-3189-8A0E-71EFE7619CB9}"/>
+              </a:ext>
+            </a:extLst>
+          </p:cNvPr>
+          <p:cNvSpPr>
+            <a:spLocks noGrp="1"/>
+          </p:cNvSpPr>
+          <p:nvPr>
+            <p:ph type="body" idx="1"/>
+          </p:nvPr>
+        </p:nvSpPr>
+        <p:spPr/>
+        <p:txBody>
+          <a:bodyPr/>
+          <a:lstStyle/>
+          <a:p>
+            <a:r>
+              <a:rPr lang="ru-RU" b="1" dirty="0">
+                <a:solidFill>
+                  <a:schemeClr val="tx1"/>
+                </a:solidFill>
+              </a:rPr>
+              <a:t>Учен:</a:t>
+            </a:r>
+            <a:r>
+              <a:rPr lang="ru-RU" dirty="0">
+                <a:solidFill>
+                  <a:schemeClr val="tx1"/>
+                </a:solidFill>
+              </a:rPr>
+              <a:t> Алберт Айнщайн</a:t>
+            </a:r>
+            <a:br>
+              <a:rPr lang="ru-RU" dirty="0">
+                <a:solidFill>
+                  <a:schemeClr val="tx1"/>
+                </a:solidFill>
+              </a:rPr>
+            </a:br>
+            <a:r>
+              <a:rPr lang="ru-RU" b="1" dirty="0">
+                <a:solidFill>
+                  <a:schemeClr val="tx1"/>
+                </a:solidFill>
+              </a:rPr>
+              <a:t>Година:</a:t>
+            </a:r>
+            <a:r>
+              <a:rPr lang="ru-RU" dirty="0">
+                <a:solidFill>
+                  <a:schemeClr val="tx1"/>
+                </a:solidFill>
+              </a:rPr>
+              <a:t> 1905 г.</a:t>
+            </a:r>
+            <a:endParaRPr lang="bg-BG" dirty="0">
+              <a:solidFill>
+                <a:schemeClr val="tx1"/>
+              </a:solidFill>
+            </a:endParaRPr>
+          </a:p>
+        </p:txBody>
+      </p:sp>
+    </p:spTree>
+    <p:extLst>
+      <p:ext uri="{BB962C8B-B14F-4D97-AF65-F5344CB8AC3E}">
+        <p14:creationId xmlns:p14="http://schemas.microsoft.com/office/powerpoint/2010/main" val="2092000464"/>
+      </p:ext>
+    </p:extLst>
+  </p:cSld>
+  <p:clrMapOvr>
+    <a:masterClrMapping/>
+  </p:clrMapOvr>
+</p:sld>
+</file>
+
+<file path=ppt/slides/slide7.xml><?xml version="1.0" encoding="utf-8"?>
+<p:sld xmlns:a="http://schemas.openxmlformats.org/drawingml/2006/main" xmlns:r="http://schemas.openxmlformats.org/officeDocument/2006/relationships" xmlns:p="http://schemas.openxmlformats.org/presentationml/2006/main">
+  <p:cSld>
+    <p:spTree>
+      <p:nvGrpSpPr>
+        <p:cNvPr id="1" name=""/>
+        <p:cNvGrpSpPr/>
+        <p:nvPr/>
+      </p:nvGrpSpPr>
+      <p:grpSpPr>
+        <a:xfrm>
+          <a:off x="0" y="0"/>
+          <a:ext cx="0" cy="0"/>
+          <a:chOff x="0" y="0"/>
+          <a:chExt cx="0" cy="0"/>
+        </a:xfrm>
+      </p:grpSpPr>
+      <p:sp>
+        <p:nvSpPr>
+          <p:cNvPr id="3" name="Content Placeholder 2">
+            <a:extLst>
+              <a:ext uri="{FF2B5EF4-FFF2-40B4-BE49-F238E27FC236}">
+                <a16:creationId xmlns:a16="http://schemas.microsoft.com/office/drawing/2014/main" id="{81EE4720-B159-4A93-1543-C7B9F4E4FF5C}"/>
+              </a:ext>
+            </a:extLst>
+          </p:cNvPr>
+          <p:cNvSpPr>
+            <a:spLocks noGrp="1"/>
+          </p:cNvSpPr>
+          <p:nvPr>
+            <p:ph sz="half" idx="1"/>
+          </p:nvPr>
+        </p:nvSpPr>
+        <p:spPr>
+          <a:xfrm>
+            <a:off x="838200" y="574200"/>
+            <a:ext cx="5181600" cy="5709600"/>
+          </a:xfrm>
+        </p:spPr>
+        <p:txBody>
+          <a:bodyPr>
+            <a:normAutofit fontScale="92500" lnSpcReduction="20000"/>
+          </a:bodyPr>
+          <a:lstStyle/>
+          <a:p>
+            <a:r>
+              <a:rPr lang="ru-RU" b="1" dirty="0"/>
+              <a:t>Теория:</a:t>
+            </a:r>
+          </a:p>
+          <a:p>
+            <a:pPr marL="0" indent="0">
+              <a:buNone/>
+            </a:pPr>
+            <a:r>
+              <a:rPr lang="ru-RU" dirty="0"/>
+              <a:t>Айнщайн доказва, че светлината се държи като поток от частици – </a:t>
+            </a:r>
+            <a:r>
+              <a:rPr lang="ru-RU" b="1" dirty="0"/>
+              <a:t>фотони</a:t>
+            </a:r>
+            <a:r>
+              <a:rPr lang="ru-RU" dirty="0"/>
+              <a:t>.</a:t>
+            </a:r>
+            <a:br>
+              <a:rPr lang="ru-RU" dirty="0"/>
+            </a:br>
+            <a:r>
+              <a:rPr lang="ru-RU" dirty="0"/>
+              <a:t>Когато светлина с достатъчно висока честота падне върху метал, тя може да </a:t>
+            </a:r>
+            <a:r>
+              <a:rPr lang="ru-RU" b="1" dirty="0"/>
+              <a:t>избие електрони</a:t>
+            </a:r>
+            <a:r>
+              <a:rPr lang="ru-RU" dirty="0"/>
+              <a:t> от него.</a:t>
+            </a:r>
+          </a:p>
+          <a:p>
+            <a:r>
+              <a:rPr lang="ru-RU" dirty="0"/>
+              <a:t>Важно е, че не силата (яркостта), а </a:t>
+            </a:r>
+            <a:r>
+              <a:rPr lang="ru-RU" b="1" dirty="0"/>
+              <a:t>честотата</a:t>
+            </a:r>
+            <a:r>
+              <a:rPr lang="ru-RU" dirty="0"/>
+              <a:t> на светлината определя дали ще се отделят електрони.</a:t>
+            </a:r>
+          </a:p>
+          <a:p>
+            <a:r>
+              <a:rPr lang="ru-RU" b="1" dirty="0"/>
+              <a:t>Пример</a:t>
+            </a:r>
+          </a:p>
+          <a:p>
+            <a:pPr marL="0" indent="0">
+              <a:buNone/>
+            </a:pPr>
+            <a:r>
+              <a:rPr lang="ru-RU" dirty="0"/>
+              <a:t>Слаба </a:t>
+            </a:r>
+            <a:r>
+              <a:rPr lang="ru-RU" b="1" dirty="0"/>
+              <a:t>ултравиолетова светлина</a:t>
+            </a:r>
+            <a:r>
+              <a:rPr lang="ru-RU" dirty="0"/>
+              <a:t> може да избие електрон,</a:t>
+            </a:r>
+            <a:br>
+              <a:rPr lang="ru-RU" dirty="0"/>
+            </a:br>
+            <a:r>
+              <a:rPr lang="ru-RU" dirty="0"/>
+              <a:t>но много силна </a:t>
+            </a:r>
+            <a:r>
+              <a:rPr lang="ru-RU" b="1" dirty="0"/>
+              <a:t>червена светлина</a:t>
+            </a:r>
+            <a:r>
+              <a:rPr lang="ru-RU" dirty="0"/>
+              <a:t> – не може.</a:t>
+            </a:r>
+          </a:p>
+          <a:p>
+            <a:endParaRPr lang="bg-BG" dirty="0"/>
+          </a:p>
+        </p:txBody>
+      </p:sp>
+      <p:pic>
+        <p:nvPicPr>
+          <p:cNvPr id="2050" name="Picture 2" descr="Фотоелектричен ефект | physicstime.com">
+            <a:extLst>
+              <a:ext uri="{FF2B5EF4-FFF2-40B4-BE49-F238E27FC236}">
+                <a16:creationId xmlns:a16="http://schemas.microsoft.com/office/drawing/2014/main" id="{E1212FA1-830C-FF50-4272-1E642FAB67B7}"/>
+              </a:ext>
+            </a:extLst>
+          </p:cNvPr>
+          <p:cNvPicPr>
+            <a:picLocks noGrp="1" noChangeAspect="1" noChangeArrowheads="1"/>
+          </p:cNvPicPr>
+          <p:nvPr>
+            <p:ph sz="half" idx="2"/>
+          </p:nvPr>
+        </p:nvPicPr>
+        <p:blipFill>
+          <a:blip r:embed="rId2">
+            <a:extLst>
+              <a:ext uri="{28A0092B-C50C-407E-A947-70E740481C1C}">
+                <a14:useLocalDpi xmlns:a14="http://schemas.microsoft.com/office/drawing/2010/main" val="0"/>
+              </a:ext>
+            </a:extLst>
+          </a:blip>
+          <a:srcRect/>
+          <a:stretch>
+            <a:fillRect/>
+          </a:stretch>
+        </p:blipFill>
+        <p:spPr bwMode="auto">
+          <a:xfrm>
+            <a:off x="7286990" y="1872945"/>
+            <a:ext cx="4329136" cy="3112110"/>
+          </a:xfrm>
+          <a:prstGeom prst="rect">
+            <a:avLst/>
+          </a:prstGeom>
+          <a:noFill/>
+          <a:extLst>
+            <a:ext uri="{909E8E84-426E-40DD-AFC4-6F175D3DCCD1}">
+              <a14:hiddenFill xmlns:a14="http://schemas.microsoft.com/office/drawing/2010/main">
+                <a:solidFill>
+                  <a:srgbClr val="FFFFFF"/>
+                </a:solidFill>
+              </a14:hiddenFill>
+            </a:ext>
+          </a:extLst>
+        </p:spPr>
+      </p:pic>
+    </p:spTree>
+    <p:extLst>
+      <p:ext uri="{BB962C8B-B14F-4D97-AF65-F5344CB8AC3E}">
+        <p14:creationId xmlns:p14="http://schemas.microsoft.com/office/powerpoint/2010/main" val="561399001"/>
+      </p:ext>
+    </p:extLst>
+  </p:cSld>
+  <p:clrMapOvr>
+    <a:masterClrMapping/>
+  </p:clrMapOvr>
+</p:sld>
+</file>
+
+<file path=ppt/slides/slide8.xml><?xml version="1.0" encoding="utf-8"?>
+<p:sld xmlns:a="http://schemas.openxmlformats.org/drawingml/2006/main" xmlns:r="http://schemas.openxmlformats.org/officeDocument/2006/relationships" xmlns:p="http://schemas.openxmlformats.org/presentationml/2006/main">
+  <p:cSld>
+    <p:spTree>
+      <p:nvGrpSpPr>
+        <p:cNvPr id="1" name=""/>
+        <p:cNvGrpSpPr/>
+        <p:nvPr/>
+      </p:nvGrpSpPr>
+      <p:grpSpPr>
+        <a:xfrm>
+          <a:off x="0" y="0"/>
+          <a:ext cx="0" cy="0"/>
+          <a:chOff x="0" y="0"/>
+          <a:chExt cx="0" cy="0"/>
+        </a:xfrm>
+      </p:grpSpPr>
+      <p:sp>
+        <p:nvSpPr>
+          <p:cNvPr id="2" name="Title 1">
+            <a:extLst>
+              <a:ext uri="{FF2B5EF4-FFF2-40B4-BE49-F238E27FC236}">
+                <a16:creationId xmlns:a16="http://schemas.microsoft.com/office/drawing/2014/main" id="{F293FF02-E56F-78D3-89E9-FD6E9667110F}"/>
+              </a:ext>
+            </a:extLst>
+          </p:cNvPr>
+          <p:cNvSpPr>
+            <a:spLocks noGrp="1"/>
+          </p:cNvSpPr>
+          <p:nvPr>
+            <p:ph type="title"/>
+          </p:nvPr>
+        </p:nvSpPr>
+        <p:spPr/>
+        <p:txBody>
+          <a:bodyPr/>
+          <a:lstStyle/>
+          <a:p>
+            <a:r>
+              <a:rPr lang="bg-BG" dirty="0"/>
+              <a:t>3. Вълново-частичен дуализъм</a:t>
+            </a:r>
+          </a:p>
+        </p:txBody>
+      </p:sp>
+      <p:sp>
+        <p:nvSpPr>
+          <p:cNvPr id="3" name="Text Placeholder 2">
+            <a:extLst>
+              <a:ext uri="{FF2B5EF4-FFF2-40B4-BE49-F238E27FC236}">
+                <a16:creationId xmlns:a16="http://schemas.microsoft.com/office/drawing/2014/main" id="{F90B35BF-ADC5-AEB8-E910-FCDC81FC8A96}"/>
+              </a:ext>
+            </a:extLst>
+          </p:cNvPr>
+          <p:cNvSpPr>
+            <a:spLocks noGrp="1"/>
+          </p:cNvSpPr>
+          <p:nvPr>
+            <p:ph type="body" idx="1"/>
+          </p:nvPr>
+        </p:nvSpPr>
+        <p:spPr/>
+        <p:txBody>
+          <a:bodyPr/>
+          <a:lstStyle/>
+          <a:p>
+            <a:r>
+              <a:rPr lang="ru-RU" b="1" dirty="0">
+                <a:solidFill>
+                  <a:schemeClr val="tx1"/>
+                </a:solidFill>
+              </a:rPr>
+              <a:t>Учен:</a:t>
+            </a:r>
+            <a:r>
+              <a:rPr lang="ru-RU" dirty="0">
+                <a:solidFill>
+                  <a:schemeClr val="tx1"/>
+                </a:solidFill>
+              </a:rPr>
+              <a:t> Луи дьо Бройл</a:t>
+            </a:r>
+            <a:br>
+              <a:rPr lang="ru-RU" dirty="0">
+                <a:solidFill>
+                  <a:schemeClr val="tx1"/>
+                </a:solidFill>
+              </a:rPr>
+            </a:br>
+            <a:r>
+              <a:rPr lang="ru-RU" b="1" dirty="0">
+                <a:solidFill>
+                  <a:schemeClr val="tx1"/>
+                </a:solidFill>
+              </a:rPr>
+              <a:t>Година:</a:t>
+            </a:r>
+            <a:r>
+              <a:rPr lang="ru-RU" dirty="0">
+                <a:solidFill>
+                  <a:schemeClr val="tx1"/>
+                </a:solidFill>
+              </a:rPr>
+              <a:t> 1924 г.</a:t>
+            </a:r>
+            <a:endParaRPr lang="bg-BG" dirty="0">
+              <a:solidFill>
+                <a:schemeClr val="tx1"/>
+              </a:solidFill>
+            </a:endParaRPr>
+          </a:p>
+        </p:txBody>
+      </p:sp>
+    </p:spTree>
+    <p:extLst>
+      <p:ext uri="{BB962C8B-B14F-4D97-AF65-F5344CB8AC3E}">
+        <p14:creationId xmlns:p14="http://schemas.microsoft.com/office/powerpoint/2010/main" val="347436350"/>
+      </p:ext>
+    </p:extLst>
+  </p:cSld>
+  <p:clrMapOvr>
+    <a:masterClrMapping/>
+  </p:clrMapOvr>
+</p:sld>
+</file>
+
+<file path=ppt/slides/slide9.xml><?xml version="1.0" encoding="utf-8"?>
+<p:sld xmlns:a="http://schemas.openxmlformats.org/drawingml/2006/main" xmlns:r="http://schemas.openxmlformats.org/officeDocument/2006/relationships" xmlns:p="http://schemas.openxmlformats.org/presentationml/2006/main">
+  <p:cSld>
+    <p:spTree>
+      <p:nvGrpSpPr>
+        <p:cNvPr id="1" name=""/>
+        <p:cNvGrpSpPr/>
+        <p:nvPr/>
+      </p:nvGrpSpPr>
+      <p:grpSpPr>
+        <a:xfrm>
+          <a:off x="0" y="0"/>
+          <a:ext cx="0" cy="0"/>
+          <a:chOff x="0" y="0"/>
+          <a:chExt cx="0" cy="0"/>
+        </a:xfrm>
+      </p:grpSpPr>
+      <p:sp>
+        <p:nvSpPr>
+          <p:cNvPr id="3" name="Content Placeholder 2">
+            <a:extLst>
+              <a:ext uri="{FF2B5EF4-FFF2-40B4-BE49-F238E27FC236}">
+                <a16:creationId xmlns:a16="http://schemas.microsoft.com/office/drawing/2014/main" id="{9D161C5A-9A95-939A-E8AC-78F55B4A4339}"/>
+              </a:ext>
+            </a:extLst>
+          </p:cNvPr>
+          <p:cNvSpPr>
+            <a:spLocks noGrp="1"/>
+          </p:cNvSpPr>
+          <p:nvPr>
+            <p:ph sz="half" idx="1"/>
+          </p:nvPr>
+        </p:nvSpPr>
+        <p:spPr>
+          <a:xfrm>
+            <a:off x="838200" y="574200"/>
+            <a:ext cx="5181600" cy="5709600"/>
+          </a:xfrm>
+        </p:spPr>
+        <p:txBody>
+          <a:bodyPr>
+            <a:normAutofit fontScale="92500" lnSpcReduction="10000"/>
+          </a:bodyPr>
+          <a:lstStyle/>
+          <a:p>
+            <a:r>
+              <a:rPr lang="ru-RU" b="1" dirty="0"/>
+              <a:t>Теория:</a:t>
+            </a:r>
+          </a:p>
+          <a:p>
+            <a:pPr marL="0" indent="0">
+              <a:buNone/>
+            </a:pPr>
+            <a:r>
+              <a:rPr lang="ru-RU" dirty="0"/>
+              <a:t>Дьо Бройл предлага, че </a:t>
+            </a:r>
+            <a:r>
+              <a:rPr lang="ru-RU" b="1" dirty="0"/>
+              <a:t>всяка частица</a:t>
+            </a:r>
+            <a:r>
+              <a:rPr lang="ru-RU" dirty="0"/>
+              <a:t> (електрон, протон) има и </a:t>
+            </a:r>
+            <a:r>
+              <a:rPr lang="ru-RU" b="1" dirty="0"/>
+              <a:t>вълнови свойства</a:t>
+            </a:r>
+            <a:r>
+              <a:rPr lang="ru-RU" dirty="0"/>
+              <a:t>, а не само маса и скорост.</a:t>
+            </a:r>
+            <a:br>
+              <a:rPr lang="ru-RU" dirty="0"/>
+            </a:br>
+            <a:r>
+              <a:rPr lang="ru-RU" dirty="0"/>
+              <a:t>Това означава, че материята може да се държи </a:t>
+            </a:r>
+            <a:r>
+              <a:rPr lang="ru-RU" b="1" dirty="0"/>
+              <a:t>едновременно като частица и като вълна</a:t>
+            </a:r>
+            <a:r>
+              <a:rPr lang="ru-RU" dirty="0"/>
+              <a:t>.</a:t>
+            </a:r>
+          </a:p>
+          <a:p>
+            <a:r>
+              <a:rPr lang="ru-RU" b="1" dirty="0"/>
+              <a:t>Пример</a:t>
+            </a:r>
+          </a:p>
+          <a:p>
+            <a:r>
+              <a:rPr lang="ru-RU" dirty="0"/>
+              <a:t>Електрон: се засича като </a:t>
+            </a:r>
+            <a:r>
+              <a:rPr lang="ru-RU" b="1" dirty="0"/>
+              <a:t>точка</a:t>
+            </a:r>
+            <a:r>
+              <a:rPr lang="ru-RU" dirty="0"/>
+              <a:t> (частица), но създава </a:t>
+            </a:r>
+            <a:r>
+              <a:rPr lang="ru-RU" b="1" dirty="0"/>
+              <a:t>интерференчна картина</a:t>
+            </a:r>
+            <a:r>
+              <a:rPr lang="ru-RU" dirty="0"/>
+              <a:t> като вълна.</a:t>
+            </a:r>
+          </a:p>
+          <a:p>
+            <a:r>
+              <a:rPr lang="ru-RU" dirty="0"/>
+              <a:t>Подобно е на топка, която понякога се държи като вълна във вода.</a:t>
+            </a:r>
+          </a:p>
+          <a:p>
+            <a:endParaRPr lang="bg-BG" dirty="0"/>
+          </a:p>
+        </p:txBody>
+      </p:sp>
+      <p:sp>
+        <p:nvSpPr>
+          <p:cNvPr id="4" name="Content Placeholder 3">
+            <a:extLst>
+              <a:ext uri="{FF2B5EF4-FFF2-40B4-BE49-F238E27FC236}">
+                <a16:creationId xmlns:a16="http://schemas.microsoft.com/office/drawing/2014/main" id="{9782CBA0-6D3A-6E60-EB62-4169012C3244}"/>
+              </a:ext>
+            </a:extLst>
+          </p:cNvPr>
+          <p:cNvSpPr>
+            <a:spLocks noGrp="1"/>
+          </p:cNvSpPr>
+          <p:nvPr>
+            <p:ph sz="half" idx="2"/>
+          </p:nvPr>
+        </p:nvSpPr>
+        <p:spPr>
+          <a:xfrm>
+            <a:off x="6172200" y="574200"/>
+            <a:ext cx="5181600" cy="5709599"/>
+          </a:xfrm>
+        </p:spPr>
+        <p:txBody>
+          <a:bodyPr>
+            <a:normAutofit fontScale="92500" lnSpcReduction="10000"/>
+          </a:bodyPr>
+          <a:lstStyle/>
+          <a:p>
+            <a:endParaRPr lang="bg-BG" dirty="0"/>
+          </a:p>
+        </p:txBody>
+      </p:sp>
+    </p:spTree>
+    <p:extLst>
+      <p:ext uri="{BB962C8B-B14F-4D97-AF65-F5344CB8AC3E}">
+        <p14:creationId xmlns:p14="http://schemas.microsoft.com/office/powerpoint/2010/main" val="2213266703"/>
       </p:ext>
     </p:extLst>
   </p:cSld>

--- a/kvantova vizika.pptx
+++ b/kvantova vizika.pptx
@@ -14,6 +14,12 @@
     <p:sldId id="263" r:id="rId8"/>
     <p:sldId id="264" r:id="rId9"/>
     <p:sldId id="265" r:id="rId10"/>
+    <p:sldId id="266" r:id="rId11"/>
+    <p:sldId id="267" r:id="rId12"/>
+    <p:sldId id="268" r:id="rId13"/>
+    <p:sldId id="269" r:id="rId14"/>
+    <p:sldId id="270" r:id="rId15"/>
+    <p:sldId id="271" r:id="rId16"/>
   </p:sldIdLst>
   <p:sldSz cx="12192000" cy="6858000"/>
   <p:notesSz cx="6858000" cy="9144000"/>
@@ -3469,7 +3475,7 @@
           <a:p>
             <a:r>
               <a:rPr lang="bg-BG" dirty="0"/>
-              <a:t>Проект направен от Мартин Велев и Никола Ивонов</a:t>
+              <a:t>Проект направен от Мартин Велев и Никола Иванов</a:t>
             </a:r>
           </a:p>
         </p:txBody>
@@ -3525,6 +3531,865 @@
     <p:extLst>
       <p:ext uri="{BB962C8B-B14F-4D97-AF65-F5344CB8AC3E}">
         <p14:creationId xmlns:p14="http://schemas.microsoft.com/office/powerpoint/2010/main" val="3315345931"/>
+      </p:ext>
+    </p:extLst>
+  </p:cSld>
+  <p:clrMapOvr>
+    <a:masterClrMapping/>
+  </p:clrMapOvr>
+</p:sld>
+</file>
+
+<file path=ppt/slides/slide10.xml><?xml version="1.0" encoding="utf-8"?>
+<p:sld xmlns:a="http://schemas.openxmlformats.org/drawingml/2006/main" xmlns:r="http://schemas.openxmlformats.org/officeDocument/2006/relationships" xmlns:p="http://schemas.openxmlformats.org/presentationml/2006/main">
+  <p:cSld>
+    <p:spTree>
+      <p:nvGrpSpPr>
+        <p:cNvPr id="1" name=""/>
+        <p:cNvGrpSpPr/>
+        <p:nvPr/>
+      </p:nvGrpSpPr>
+      <p:grpSpPr>
+        <a:xfrm>
+          <a:off x="0" y="0"/>
+          <a:ext cx="0" cy="0"/>
+          <a:chOff x="0" y="0"/>
+          <a:chExt cx="0" cy="0"/>
+        </a:xfrm>
+      </p:grpSpPr>
+      <p:sp>
+        <p:nvSpPr>
+          <p:cNvPr id="2" name="Title 1">
+            <a:extLst>
+              <a:ext uri="{FF2B5EF4-FFF2-40B4-BE49-F238E27FC236}">
+                <a16:creationId xmlns:a16="http://schemas.microsoft.com/office/drawing/2014/main" id="{09DEE0FB-D125-BCFF-6C90-3AE1B3280F7E}"/>
+              </a:ext>
+            </a:extLst>
+          </p:cNvPr>
+          <p:cNvSpPr>
+            <a:spLocks noGrp="1"/>
+          </p:cNvSpPr>
+          <p:nvPr>
+            <p:ph type="title"/>
+          </p:nvPr>
+        </p:nvSpPr>
+        <p:spPr/>
+        <p:txBody>
+          <a:bodyPr>
+            <a:normAutofit/>
+          </a:bodyPr>
+          <a:lstStyle/>
+          <a:p>
+            <a:r>
+              <a:rPr lang="bg-BG" dirty="0"/>
+              <a:t>4. Принцип на неопределеността</a:t>
+            </a:r>
+          </a:p>
+        </p:txBody>
+      </p:sp>
+      <p:sp>
+        <p:nvSpPr>
+          <p:cNvPr id="3" name="Text Placeholder 2">
+            <a:extLst>
+              <a:ext uri="{FF2B5EF4-FFF2-40B4-BE49-F238E27FC236}">
+                <a16:creationId xmlns:a16="http://schemas.microsoft.com/office/drawing/2014/main" id="{DA0E4A1C-114F-0AAE-3B50-CC1E21603E34}"/>
+              </a:ext>
+            </a:extLst>
+          </p:cNvPr>
+          <p:cNvSpPr>
+            <a:spLocks noGrp="1"/>
+          </p:cNvSpPr>
+          <p:nvPr>
+            <p:ph type="body" idx="1"/>
+          </p:nvPr>
+        </p:nvSpPr>
+        <p:spPr/>
+        <p:txBody>
+          <a:bodyPr/>
+          <a:lstStyle/>
+          <a:p>
+            <a:r>
+              <a:rPr lang="ru-RU" dirty="0">
+                <a:solidFill>
+                  <a:schemeClr val="tx1"/>
+                </a:solidFill>
+              </a:rPr>
+              <a:t>Учен: Вернер Хайзенберг</a:t>
+            </a:r>
+          </a:p>
+          <a:p>
+            <a:r>
+              <a:rPr lang="ru-RU" dirty="0">
+                <a:solidFill>
+                  <a:schemeClr val="tx1"/>
+                </a:solidFill>
+              </a:rPr>
+              <a:t>Година: 1927 г.</a:t>
+            </a:r>
+            <a:endParaRPr lang="bg-BG" dirty="0">
+              <a:solidFill>
+                <a:schemeClr val="tx1"/>
+              </a:solidFill>
+            </a:endParaRPr>
+          </a:p>
+        </p:txBody>
+      </p:sp>
+    </p:spTree>
+    <p:extLst>
+      <p:ext uri="{BB962C8B-B14F-4D97-AF65-F5344CB8AC3E}">
+        <p14:creationId xmlns:p14="http://schemas.microsoft.com/office/powerpoint/2010/main" val="2802944917"/>
+      </p:ext>
+    </p:extLst>
+  </p:cSld>
+  <p:clrMapOvr>
+    <a:masterClrMapping/>
+  </p:clrMapOvr>
+</p:sld>
+</file>
+
+<file path=ppt/slides/slide11.xml><?xml version="1.0" encoding="utf-8"?>
+<p:sld xmlns:a="http://schemas.openxmlformats.org/drawingml/2006/main" xmlns:r="http://schemas.openxmlformats.org/officeDocument/2006/relationships" xmlns:p="http://schemas.openxmlformats.org/presentationml/2006/main">
+  <p:cSld>
+    <p:spTree>
+      <p:nvGrpSpPr>
+        <p:cNvPr id="1" name=""/>
+        <p:cNvGrpSpPr/>
+        <p:nvPr/>
+      </p:nvGrpSpPr>
+      <p:grpSpPr>
+        <a:xfrm>
+          <a:off x="0" y="0"/>
+          <a:ext cx="0" cy="0"/>
+          <a:chOff x="0" y="0"/>
+          <a:chExt cx="0" cy="0"/>
+        </a:xfrm>
+      </p:grpSpPr>
+      <p:sp>
+        <p:nvSpPr>
+          <p:cNvPr id="3" name="Content Placeholder 2">
+            <a:extLst>
+              <a:ext uri="{FF2B5EF4-FFF2-40B4-BE49-F238E27FC236}">
+                <a16:creationId xmlns:a16="http://schemas.microsoft.com/office/drawing/2014/main" id="{C881D5C1-4AC8-2066-CD39-0C07ABFAD523}"/>
+              </a:ext>
+            </a:extLst>
+          </p:cNvPr>
+          <p:cNvSpPr>
+            <a:spLocks noGrp="1"/>
+          </p:cNvSpPr>
+          <p:nvPr>
+            <p:ph sz="half" idx="1"/>
+          </p:nvPr>
+        </p:nvSpPr>
+        <p:spPr>
+          <a:xfrm>
+            <a:off x="838200" y="574200"/>
+            <a:ext cx="5181600" cy="5709600"/>
+          </a:xfrm>
+        </p:spPr>
+        <p:txBody>
+          <a:bodyPr>
+            <a:normAutofit fontScale="77500" lnSpcReduction="20000"/>
+          </a:bodyPr>
+          <a:lstStyle/>
+          <a:p>
+            <a:r>
+              <a:rPr lang="ru-RU" dirty="0"/>
+              <a:t>Теория:</a:t>
+            </a:r>
+          </a:p>
+          <a:p>
+            <a:endParaRPr lang="ru-RU" dirty="0"/>
+          </a:p>
+          <a:p>
+            <a:r>
+              <a:rPr lang="ru-RU" dirty="0"/>
+              <a:t>Невъзможно е едновременно да се знаят точната позиция и точната скорост на една квантова частица.</a:t>
+            </a:r>
+          </a:p>
+          <a:p>
+            <a:r>
+              <a:rPr lang="ru-RU" dirty="0"/>
+              <a:t>Колкото по-точно знаем едното, толкова по-неточно знаем другото.</a:t>
+            </a:r>
+          </a:p>
+          <a:p>
+            <a:endParaRPr lang="ru-RU" dirty="0"/>
+          </a:p>
+          <a:p>
+            <a:r>
+              <a:rPr lang="ru-RU" dirty="0"/>
+              <a:t>Това не е грешка на измерването, а фундаментално свойство на природата.</a:t>
+            </a:r>
+          </a:p>
+          <a:p>
+            <a:endParaRPr lang="ru-RU" dirty="0"/>
+          </a:p>
+          <a:p>
+            <a:r>
+              <a:rPr lang="ru-RU" dirty="0"/>
+              <a:t>Пример:</a:t>
+            </a:r>
+          </a:p>
+          <a:p>
+            <a:endParaRPr lang="ru-RU" dirty="0"/>
+          </a:p>
+          <a:p>
+            <a:r>
+              <a:rPr lang="ru-RU" dirty="0"/>
+              <a:t>Все едно да се опитваш да видиш кола в пълна тъмнина, като я осветиш с фенер – самата светлина я избутва леко и променя движението ѝ.</a:t>
+            </a:r>
+          </a:p>
+          <a:p>
+            <a:endParaRPr lang="bg-BG" dirty="0"/>
+          </a:p>
+        </p:txBody>
+      </p:sp>
+      <p:pic>
+        <p:nvPicPr>
+          <p:cNvPr id="4098" name="Picture 2" descr="Вернер Хайзенберг и принципа на неопределеността | Teenproblem.net">
+            <a:extLst>
+              <a:ext uri="{FF2B5EF4-FFF2-40B4-BE49-F238E27FC236}">
+                <a16:creationId xmlns:a16="http://schemas.microsoft.com/office/drawing/2014/main" id="{FFCDC42F-040B-3B3F-DF31-AE24EF1E25F5}"/>
+              </a:ext>
+            </a:extLst>
+          </p:cNvPr>
+          <p:cNvPicPr>
+            <a:picLocks noGrp="1" noChangeAspect="1" noChangeArrowheads="1"/>
+          </p:cNvPicPr>
+          <p:nvPr>
+            <p:ph sz="half" idx="2"/>
+          </p:nvPr>
+        </p:nvPicPr>
+        <p:blipFill>
+          <a:blip r:embed="rId2">
+            <a:extLst>
+              <a:ext uri="{28A0092B-C50C-407E-A947-70E740481C1C}">
+                <a14:useLocalDpi xmlns:a14="http://schemas.microsoft.com/office/drawing/2010/main" val="0"/>
+              </a:ext>
+            </a:extLst>
+          </a:blip>
+          <a:srcRect/>
+          <a:stretch>
+            <a:fillRect/>
+          </a:stretch>
+        </p:blipFill>
+        <p:spPr bwMode="auto">
+          <a:xfrm>
+            <a:off x="6559062" y="309542"/>
+            <a:ext cx="5181600" cy="3337454"/>
+          </a:xfrm>
+          <a:prstGeom prst="rect">
+            <a:avLst/>
+          </a:prstGeom>
+          <a:noFill/>
+          <a:extLst>
+            <a:ext uri="{909E8E84-426E-40DD-AFC4-6F175D3DCCD1}">
+              <a14:hiddenFill xmlns:a14="http://schemas.microsoft.com/office/drawing/2010/main">
+                <a:solidFill>
+                  <a:srgbClr val="FFFFFF"/>
+                </a:solidFill>
+              </a14:hiddenFill>
+            </a:ext>
+          </a:extLst>
+        </p:spPr>
+      </p:pic>
+      <p:pic>
+        <p:nvPicPr>
+          <p:cNvPr id="4100" name="Picture 4" descr="Принцип на неопределеността - Читател - живей в по-добрия свят!">
+            <a:extLst>
+              <a:ext uri="{FF2B5EF4-FFF2-40B4-BE49-F238E27FC236}">
+                <a16:creationId xmlns:a16="http://schemas.microsoft.com/office/drawing/2014/main" id="{BF67B9AF-6208-F6BA-78D6-FCEA899A69E8}"/>
+              </a:ext>
+            </a:extLst>
+          </p:cNvPr>
+          <p:cNvPicPr>
+            <a:picLocks noChangeAspect="1" noChangeArrowheads="1"/>
+          </p:cNvPicPr>
+          <p:nvPr/>
+        </p:nvPicPr>
+        <p:blipFill>
+          <a:blip r:embed="rId3">
+            <a:extLst>
+              <a:ext uri="{28A0092B-C50C-407E-A947-70E740481C1C}">
+                <a14:useLocalDpi xmlns:a14="http://schemas.microsoft.com/office/drawing/2010/main" val="0"/>
+              </a:ext>
+            </a:extLst>
+          </a:blip>
+          <a:srcRect/>
+          <a:stretch>
+            <a:fillRect/>
+          </a:stretch>
+        </p:blipFill>
+        <p:spPr bwMode="auto">
+          <a:xfrm>
+            <a:off x="6559062" y="3690958"/>
+            <a:ext cx="5181600" cy="2857500"/>
+          </a:xfrm>
+          <a:prstGeom prst="rect">
+            <a:avLst/>
+          </a:prstGeom>
+          <a:noFill/>
+          <a:extLst>
+            <a:ext uri="{909E8E84-426E-40DD-AFC4-6F175D3DCCD1}">
+              <a14:hiddenFill xmlns:a14="http://schemas.microsoft.com/office/drawing/2010/main">
+                <a:solidFill>
+                  <a:srgbClr val="FFFFFF"/>
+                </a:solidFill>
+              </a14:hiddenFill>
+            </a:ext>
+          </a:extLst>
+        </p:spPr>
+      </p:pic>
+    </p:spTree>
+    <p:extLst>
+      <p:ext uri="{BB962C8B-B14F-4D97-AF65-F5344CB8AC3E}">
+        <p14:creationId xmlns:p14="http://schemas.microsoft.com/office/powerpoint/2010/main" val="1261076443"/>
+      </p:ext>
+    </p:extLst>
+  </p:cSld>
+  <p:clrMapOvr>
+    <a:masterClrMapping/>
+  </p:clrMapOvr>
+</p:sld>
+</file>
+
+<file path=ppt/slides/slide12.xml><?xml version="1.0" encoding="utf-8"?>
+<p:sld xmlns:a="http://schemas.openxmlformats.org/drawingml/2006/main" xmlns:r="http://schemas.openxmlformats.org/officeDocument/2006/relationships" xmlns:p="http://schemas.openxmlformats.org/presentationml/2006/main">
+  <p:cSld>
+    <p:spTree>
+      <p:nvGrpSpPr>
+        <p:cNvPr id="1" name=""/>
+        <p:cNvGrpSpPr/>
+        <p:nvPr/>
+      </p:nvGrpSpPr>
+      <p:grpSpPr>
+        <a:xfrm>
+          <a:off x="0" y="0"/>
+          <a:ext cx="0" cy="0"/>
+          <a:chOff x="0" y="0"/>
+          <a:chExt cx="0" cy="0"/>
+        </a:xfrm>
+      </p:grpSpPr>
+      <p:sp>
+        <p:nvSpPr>
+          <p:cNvPr id="2" name="Title 1">
+            <a:extLst>
+              <a:ext uri="{FF2B5EF4-FFF2-40B4-BE49-F238E27FC236}">
+                <a16:creationId xmlns:a16="http://schemas.microsoft.com/office/drawing/2014/main" id="{C95D1CF3-C268-9311-4720-A0DD969DA090}"/>
+              </a:ext>
+            </a:extLst>
+          </p:cNvPr>
+          <p:cNvSpPr>
+            <a:spLocks noGrp="1"/>
+          </p:cNvSpPr>
+          <p:nvPr>
+            <p:ph type="title"/>
+          </p:nvPr>
+        </p:nvSpPr>
+        <p:spPr/>
+        <p:txBody>
+          <a:bodyPr/>
+          <a:lstStyle/>
+          <a:p>
+            <a:r>
+              <a:rPr lang="bg-BG" dirty="0"/>
+              <a:t>5. Квантова суперпозиция</a:t>
+            </a:r>
+            <a:r>
+              <a:rPr lang="ru-RU" dirty="0"/>
+              <a:t> </a:t>
+            </a:r>
+            <a:endParaRPr lang="bg-BG" dirty="0"/>
+          </a:p>
+        </p:txBody>
+      </p:sp>
+      <p:sp>
+        <p:nvSpPr>
+          <p:cNvPr id="3" name="Text Placeholder 2">
+            <a:extLst>
+              <a:ext uri="{FF2B5EF4-FFF2-40B4-BE49-F238E27FC236}">
+                <a16:creationId xmlns:a16="http://schemas.microsoft.com/office/drawing/2014/main" id="{4AED7C26-FA37-B71C-1329-63698DFAEB2F}"/>
+              </a:ext>
+            </a:extLst>
+          </p:cNvPr>
+          <p:cNvSpPr>
+            <a:spLocks noGrp="1"/>
+          </p:cNvSpPr>
+          <p:nvPr>
+            <p:ph type="body" idx="1"/>
+          </p:nvPr>
+        </p:nvSpPr>
+        <p:spPr/>
+        <p:txBody>
+          <a:bodyPr/>
+          <a:lstStyle/>
+          <a:p>
+            <a:r>
+              <a:rPr lang="ru-RU" dirty="0">
+                <a:solidFill>
+                  <a:schemeClr val="tx1"/>
+                </a:solidFill>
+              </a:rPr>
+              <a:t>Учен: Ервин Шрьодингер</a:t>
+            </a:r>
+          </a:p>
+          <a:p>
+            <a:r>
+              <a:rPr lang="ru-RU" dirty="0">
+                <a:solidFill>
+                  <a:schemeClr val="tx1"/>
+                </a:solidFill>
+              </a:rPr>
+              <a:t>Година: 1926 г.</a:t>
+            </a:r>
+            <a:endParaRPr lang="bg-BG" dirty="0">
+              <a:solidFill>
+                <a:schemeClr val="tx1"/>
+              </a:solidFill>
+            </a:endParaRPr>
+          </a:p>
+        </p:txBody>
+      </p:sp>
+    </p:spTree>
+    <p:extLst>
+      <p:ext uri="{BB962C8B-B14F-4D97-AF65-F5344CB8AC3E}">
+        <p14:creationId xmlns:p14="http://schemas.microsoft.com/office/powerpoint/2010/main" val="1942512975"/>
+      </p:ext>
+    </p:extLst>
+  </p:cSld>
+  <p:clrMapOvr>
+    <a:masterClrMapping/>
+  </p:clrMapOvr>
+</p:sld>
+</file>
+
+<file path=ppt/slides/slide13.xml><?xml version="1.0" encoding="utf-8"?>
+<p:sld xmlns:a="http://schemas.openxmlformats.org/drawingml/2006/main" xmlns:r="http://schemas.openxmlformats.org/officeDocument/2006/relationships" xmlns:p="http://schemas.openxmlformats.org/presentationml/2006/main">
+  <p:cSld>
+    <p:spTree>
+      <p:nvGrpSpPr>
+        <p:cNvPr id="1" name=""/>
+        <p:cNvGrpSpPr/>
+        <p:nvPr/>
+      </p:nvGrpSpPr>
+      <p:grpSpPr>
+        <a:xfrm>
+          <a:off x="0" y="0"/>
+          <a:ext cx="0" cy="0"/>
+          <a:chOff x="0" y="0"/>
+          <a:chExt cx="0" cy="0"/>
+        </a:xfrm>
+      </p:grpSpPr>
+      <p:sp>
+        <p:nvSpPr>
+          <p:cNvPr id="3" name="Content Placeholder 2">
+            <a:extLst>
+              <a:ext uri="{FF2B5EF4-FFF2-40B4-BE49-F238E27FC236}">
+                <a16:creationId xmlns:a16="http://schemas.microsoft.com/office/drawing/2014/main" id="{7DBCA98F-6F62-02FA-2E89-991AEE8E92EC}"/>
+              </a:ext>
+            </a:extLst>
+          </p:cNvPr>
+          <p:cNvSpPr>
+            <a:spLocks noGrp="1"/>
+          </p:cNvSpPr>
+          <p:nvPr>
+            <p:ph sz="half" idx="1"/>
+          </p:nvPr>
+        </p:nvSpPr>
+        <p:spPr>
+          <a:xfrm>
+            <a:off x="838200" y="574200"/>
+            <a:ext cx="5181600" cy="5709600"/>
+          </a:xfrm>
+        </p:spPr>
+        <p:txBody>
+          <a:bodyPr>
+            <a:normAutofit fontScale="77500" lnSpcReduction="20000"/>
+          </a:bodyPr>
+          <a:lstStyle/>
+          <a:p>
+            <a:r>
+              <a:rPr lang="ru-RU" dirty="0"/>
+              <a:t>Теория:</a:t>
+            </a:r>
+          </a:p>
+          <a:p>
+            <a:endParaRPr lang="ru-RU" dirty="0"/>
+          </a:p>
+          <a:p>
+            <a:r>
+              <a:rPr lang="ru-RU" dirty="0"/>
+              <a:t>Квантовата частица може да съществува в няколко състояния едновременно, докато не бъде измерена.</a:t>
+            </a:r>
+          </a:p>
+          <a:p>
+            <a:r>
+              <a:rPr lang="ru-RU" dirty="0"/>
+              <a:t>Състоянието ѝ се описва с вълнова функция, която показва вероятности.</a:t>
+            </a:r>
+          </a:p>
+          <a:p>
+            <a:endParaRPr lang="ru-RU" dirty="0"/>
+          </a:p>
+          <a:p>
+            <a:r>
+              <a:rPr lang="ru-RU" dirty="0"/>
+              <a:t>Пример:</a:t>
+            </a:r>
+          </a:p>
+          <a:p>
+            <a:endParaRPr lang="ru-RU" dirty="0"/>
+          </a:p>
+          <a:p>
+            <a:r>
+              <a:rPr lang="ru-RU" dirty="0"/>
+              <a:t>Електрон може да бъде:и тук, и там, едновременно, докато не го измерим.</a:t>
+            </a:r>
+          </a:p>
+          <a:p>
+            <a:endParaRPr lang="ru-RU" dirty="0"/>
+          </a:p>
+          <a:p>
+            <a:r>
+              <a:rPr lang="ru-RU" dirty="0"/>
+              <a:t>Известен пример е мисловният експеримент с котката на Шрьодингер – жива и мъртва едновременно.</a:t>
+            </a:r>
+            <a:endParaRPr lang="bg-BG" dirty="0"/>
+          </a:p>
+        </p:txBody>
+      </p:sp>
+      <p:pic>
+        <p:nvPicPr>
+          <p:cNvPr id="5122" name="Picture 2" descr="Парадоксите на квантовата механика смущават съня на физиците | Мегавселена">
+            <a:extLst>
+              <a:ext uri="{FF2B5EF4-FFF2-40B4-BE49-F238E27FC236}">
+                <a16:creationId xmlns:a16="http://schemas.microsoft.com/office/drawing/2014/main" id="{17FDDF77-6EB0-9534-252B-B28B40513680}"/>
+              </a:ext>
+            </a:extLst>
+          </p:cNvPr>
+          <p:cNvPicPr>
+            <a:picLocks noGrp="1" noChangeAspect="1" noChangeArrowheads="1"/>
+          </p:cNvPicPr>
+          <p:nvPr>
+            <p:ph sz="half" idx="2"/>
+          </p:nvPr>
+        </p:nvPicPr>
+        <p:blipFill>
+          <a:blip r:embed="rId2">
+            <a:extLst>
+              <a:ext uri="{28A0092B-C50C-407E-A947-70E740481C1C}">
+                <a14:useLocalDpi xmlns:a14="http://schemas.microsoft.com/office/drawing/2010/main" val="0"/>
+              </a:ext>
+            </a:extLst>
+          </a:blip>
+          <a:srcRect/>
+          <a:stretch>
+            <a:fillRect/>
+          </a:stretch>
+        </p:blipFill>
+        <p:spPr bwMode="auto">
+          <a:xfrm>
+            <a:off x="6172200" y="2052903"/>
+            <a:ext cx="5181600" cy="2752193"/>
+          </a:xfrm>
+          <a:prstGeom prst="rect">
+            <a:avLst/>
+          </a:prstGeom>
+          <a:noFill/>
+          <a:extLst>
+            <a:ext uri="{909E8E84-426E-40DD-AFC4-6F175D3DCCD1}">
+              <a14:hiddenFill xmlns:a14="http://schemas.microsoft.com/office/drawing/2010/main">
+                <a:solidFill>
+                  <a:srgbClr val="FFFFFF"/>
+                </a:solidFill>
+              </a14:hiddenFill>
+            </a:ext>
+          </a:extLst>
+        </p:spPr>
+      </p:pic>
+    </p:spTree>
+    <p:extLst>
+      <p:ext uri="{BB962C8B-B14F-4D97-AF65-F5344CB8AC3E}">
+        <p14:creationId xmlns:p14="http://schemas.microsoft.com/office/powerpoint/2010/main" val="3040781000"/>
+      </p:ext>
+    </p:extLst>
+  </p:cSld>
+  <p:clrMapOvr>
+    <a:masterClrMapping/>
+  </p:clrMapOvr>
+</p:sld>
+</file>
+
+<file path=ppt/slides/slide14.xml><?xml version="1.0" encoding="utf-8"?>
+<p:sld xmlns:a="http://schemas.openxmlformats.org/drawingml/2006/main" xmlns:r="http://schemas.openxmlformats.org/officeDocument/2006/relationships" xmlns:p="http://schemas.openxmlformats.org/presentationml/2006/main">
+  <p:cSld>
+    <p:spTree>
+      <p:nvGrpSpPr>
+        <p:cNvPr id="1" name=""/>
+        <p:cNvGrpSpPr/>
+        <p:nvPr/>
+      </p:nvGrpSpPr>
+      <p:grpSpPr>
+        <a:xfrm>
+          <a:off x="0" y="0"/>
+          <a:ext cx="0" cy="0"/>
+          <a:chOff x="0" y="0"/>
+          <a:chExt cx="0" cy="0"/>
+        </a:xfrm>
+      </p:grpSpPr>
+      <p:sp>
+        <p:nvSpPr>
+          <p:cNvPr id="2" name="Title 1">
+            <a:extLst>
+              <a:ext uri="{FF2B5EF4-FFF2-40B4-BE49-F238E27FC236}">
+                <a16:creationId xmlns:a16="http://schemas.microsoft.com/office/drawing/2014/main" id="{C1244B29-8145-CCDC-44D3-36117082EF46}"/>
+              </a:ext>
+            </a:extLst>
+          </p:cNvPr>
+          <p:cNvSpPr>
+            <a:spLocks noGrp="1"/>
+          </p:cNvSpPr>
+          <p:nvPr>
+            <p:ph type="title"/>
+          </p:nvPr>
+        </p:nvSpPr>
+        <p:spPr/>
+        <p:txBody>
+          <a:bodyPr/>
+          <a:lstStyle/>
+          <a:p>
+            <a:r>
+              <a:rPr lang="ru-RU" dirty="0"/>
+              <a:t>6. Колапс на вълновата функция</a:t>
+            </a:r>
+            <a:endParaRPr lang="bg-BG" dirty="0"/>
+          </a:p>
+        </p:txBody>
+      </p:sp>
+      <p:sp>
+        <p:nvSpPr>
+          <p:cNvPr id="3" name="Text Placeholder 2">
+            <a:extLst>
+              <a:ext uri="{FF2B5EF4-FFF2-40B4-BE49-F238E27FC236}">
+                <a16:creationId xmlns:a16="http://schemas.microsoft.com/office/drawing/2014/main" id="{D58A180C-058D-4E7D-186A-F4B3C0492A1D}"/>
+              </a:ext>
+            </a:extLst>
+          </p:cNvPr>
+          <p:cNvSpPr>
+            <a:spLocks noGrp="1"/>
+          </p:cNvSpPr>
+          <p:nvPr>
+            <p:ph type="body" idx="1"/>
+          </p:nvPr>
+        </p:nvSpPr>
+        <p:spPr/>
+        <p:txBody>
+          <a:bodyPr/>
+          <a:lstStyle/>
+          <a:p>
+            <a:r>
+              <a:rPr lang="ru-RU" dirty="0">
+                <a:solidFill>
+                  <a:schemeClr val="tx1"/>
+                </a:solidFill>
+              </a:rPr>
+              <a:t>Учен: Нилс Бор (Копенхагенска интерпретация)</a:t>
+            </a:r>
+          </a:p>
+          <a:p>
+            <a:r>
+              <a:rPr lang="ru-RU" dirty="0">
+                <a:solidFill>
+                  <a:schemeClr val="tx1"/>
+                </a:solidFill>
+              </a:rPr>
+              <a:t>Година: около 1927 г.</a:t>
+            </a:r>
+          </a:p>
+          <a:p>
+            <a:endParaRPr lang="bg-BG" dirty="0"/>
+          </a:p>
+        </p:txBody>
+      </p:sp>
+    </p:spTree>
+    <p:extLst>
+      <p:ext uri="{BB962C8B-B14F-4D97-AF65-F5344CB8AC3E}">
+        <p14:creationId xmlns:p14="http://schemas.microsoft.com/office/powerpoint/2010/main" val="1353571212"/>
+      </p:ext>
+    </p:extLst>
+  </p:cSld>
+  <p:clrMapOvr>
+    <a:masterClrMapping/>
+  </p:clrMapOvr>
+</p:sld>
+</file>
+
+<file path=ppt/slides/slide15.xml><?xml version="1.0" encoding="utf-8"?>
+<p:sld xmlns:a="http://schemas.openxmlformats.org/drawingml/2006/main" xmlns:r="http://schemas.openxmlformats.org/officeDocument/2006/relationships" xmlns:p="http://schemas.openxmlformats.org/presentationml/2006/main">
+  <p:cSld>
+    <p:spTree>
+      <p:nvGrpSpPr>
+        <p:cNvPr id="1" name=""/>
+        <p:cNvGrpSpPr/>
+        <p:nvPr/>
+      </p:nvGrpSpPr>
+      <p:grpSpPr>
+        <a:xfrm>
+          <a:off x="0" y="0"/>
+          <a:ext cx="0" cy="0"/>
+          <a:chOff x="0" y="0"/>
+          <a:chExt cx="0" cy="0"/>
+        </a:xfrm>
+      </p:grpSpPr>
+      <p:sp>
+        <p:nvSpPr>
+          <p:cNvPr id="3" name="Content Placeholder 2">
+            <a:extLst>
+              <a:ext uri="{FF2B5EF4-FFF2-40B4-BE49-F238E27FC236}">
+                <a16:creationId xmlns:a16="http://schemas.microsoft.com/office/drawing/2014/main" id="{0F922B42-2D6F-F376-66FE-152B4391A1E4}"/>
+              </a:ext>
+            </a:extLst>
+          </p:cNvPr>
+          <p:cNvSpPr>
+            <a:spLocks noGrp="1"/>
+          </p:cNvSpPr>
+          <p:nvPr>
+            <p:ph sz="half" idx="1"/>
+          </p:nvPr>
+        </p:nvSpPr>
+        <p:spPr>
+          <a:xfrm>
+            <a:off x="838201" y="574200"/>
+            <a:ext cx="5181600" cy="5709600"/>
+          </a:xfrm>
+        </p:spPr>
+        <p:txBody>
+          <a:bodyPr>
+            <a:normAutofit fontScale="92500" lnSpcReduction="20000"/>
+          </a:bodyPr>
+          <a:lstStyle/>
+          <a:p>
+            <a:r>
+              <a:rPr lang="ru-RU" dirty="0"/>
+              <a:t>Теория:</a:t>
+            </a:r>
+          </a:p>
+          <a:p>
+            <a:endParaRPr lang="ru-RU" dirty="0"/>
+          </a:p>
+          <a:p>
+            <a:r>
+              <a:rPr lang="ru-RU" dirty="0"/>
+              <a:t>Когато извършим измерване, суперпозицията изчезва и частицата избира едно конкретно състояние.</a:t>
+            </a:r>
+          </a:p>
+          <a:p>
+            <a:r>
+              <a:rPr lang="ru-RU" dirty="0"/>
+              <a:t>Този процес се нарича колапс на вълновата функция.</a:t>
+            </a:r>
+          </a:p>
+          <a:p>
+            <a:endParaRPr lang="ru-RU" dirty="0"/>
+          </a:p>
+          <a:p>
+            <a:r>
+              <a:rPr lang="ru-RU" dirty="0"/>
+              <a:t>Пример:</a:t>
+            </a:r>
+          </a:p>
+          <a:p>
+            <a:pPr marL="0" indent="0">
+              <a:buNone/>
+            </a:pPr>
+            <a:r>
+              <a:rPr lang="ru-RU" dirty="0"/>
+              <a:t>Преди измерване:</a:t>
+            </a:r>
+          </a:p>
+          <a:p>
+            <a:pPr marL="0" indent="0">
+              <a:buNone/>
+            </a:pPr>
+            <a:r>
+              <a:rPr lang="ru-RU" dirty="0"/>
+              <a:t>електронът е на много възможни места.</a:t>
+            </a:r>
+          </a:p>
+          <a:p>
+            <a:pPr marL="0" indent="0">
+              <a:buNone/>
+            </a:pPr>
+            <a:r>
+              <a:rPr lang="ru-RU" dirty="0"/>
+              <a:t>След измерване:</a:t>
+            </a:r>
+          </a:p>
+          <a:p>
+            <a:pPr marL="0" indent="0">
+              <a:buNone/>
+            </a:pPr>
+            <a:r>
+              <a:rPr lang="ru-RU" dirty="0"/>
+              <a:t>намираме го на едно конкретно място.</a:t>
+            </a:r>
+            <a:endParaRPr lang="bg-BG" dirty="0"/>
+          </a:p>
+        </p:txBody>
+      </p:sp>
+      <p:pic>
+        <p:nvPicPr>
+          <p:cNvPr id="6146" name="Picture 2" descr="колапс на вълновата функция">
+            <a:extLst>
+              <a:ext uri="{FF2B5EF4-FFF2-40B4-BE49-F238E27FC236}">
+                <a16:creationId xmlns:a16="http://schemas.microsoft.com/office/drawing/2014/main" id="{F814A5B1-E8E1-6006-04E2-265AB74CE1BB}"/>
+              </a:ext>
+            </a:extLst>
+          </p:cNvPr>
+          <p:cNvPicPr>
+            <a:picLocks noGrp="1" noChangeAspect="1" noChangeArrowheads="1"/>
+          </p:cNvPicPr>
+          <p:nvPr>
+            <p:ph sz="half" idx="2"/>
+          </p:nvPr>
+        </p:nvPicPr>
+        <p:blipFill>
+          <a:blip r:embed="rId2">
+            <a:extLst>
+              <a:ext uri="{28A0092B-C50C-407E-A947-70E740481C1C}">
+                <a14:useLocalDpi xmlns:a14="http://schemas.microsoft.com/office/drawing/2010/main" val="0"/>
+              </a:ext>
+            </a:extLst>
+          </a:blip>
+          <a:srcRect/>
+          <a:stretch>
+            <a:fillRect/>
+          </a:stretch>
+        </p:blipFill>
+        <p:spPr bwMode="auto">
+          <a:xfrm>
+            <a:off x="6172200" y="1830027"/>
+            <a:ext cx="5181600" cy="3197946"/>
+          </a:xfrm>
+          <a:prstGeom prst="rect">
+            <a:avLst/>
+          </a:prstGeom>
+          <a:noFill/>
+          <a:extLst>
+            <a:ext uri="{909E8E84-426E-40DD-AFC4-6F175D3DCCD1}">
+              <a14:hiddenFill xmlns:a14="http://schemas.microsoft.com/office/drawing/2010/main">
+                <a:solidFill>
+                  <a:srgbClr val="FFFFFF"/>
+                </a:solidFill>
+              </a14:hiddenFill>
+            </a:ext>
+          </a:extLst>
+        </p:spPr>
+      </p:pic>
+    </p:spTree>
+    <p:extLst>
+      <p:ext uri="{BB962C8B-B14F-4D97-AF65-F5344CB8AC3E}">
+        <p14:creationId xmlns:p14="http://schemas.microsoft.com/office/powerpoint/2010/main" val="2354375122"/>
       </p:ext>
     </p:extLst>
   </p:cSld>
@@ -4682,7 +5547,7 @@
         </p:spPr>
         <p:txBody>
           <a:bodyPr>
-            <a:normAutofit fontScale="92500" lnSpcReduction="10000"/>
+            <a:normAutofit lnSpcReduction="10000"/>
           </a:bodyPr>
           <a:lstStyle/>
           <a:p>
@@ -4759,49 +5624,57 @@
               <a:t> като вълна.</a:t>
             </a:r>
           </a:p>
-          <a:p>
-            <a:r>
-              <a:rPr lang="ru-RU" dirty="0"/>
-              <a:t>Подобно е на топка, която понякога се държи като вълна във вода.</a:t>
-            </a:r>
-          </a:p>
-          <a:p>
-            <a:endParaRPr lang="bg-BG" dirty="0"/>
-          </a:p>
-        </p:txBody>
-      </p:sp>
-      <p:sp>
-        <p:nvSpPr>
-          <p:cNvPr id="4" name="Content Placeholder 3">
-            <a:extLst>
-              <a:ext uri="{FF2B5EF4-FFF2-40B4-BE49-F238E27FC236}">
-                <a16:creationId xmlns:a16="http://schemas.microsoft.com/office/drawing/2014/main" id="{9782CBA0-6D3A-6E60-EB62-4169012C3244}"/>
-              </a:ext>
-            </a:extLst>
-          </p:cNvPr>
-          <p:cNvSpPr>
-            <a:spLocks noGrp="1"/>
-          </p:cNvSpPr>
+        </p:txBody>
+      </p:sp>
+      <p:pic>
+        <p:nvPicPr>
+          <p:cNvPr id="3074" name="Picture 2" descr="Дуализъм">
+            <a:extLst>
+              <a:ext uri="{FF2B5EF4-FFF2-40B4-BE49-F238E27FC236}">
+                <a16:creationId xmlns:a16="http://schemas.microsoft.com/office/drawing/2014/main" id="{1D608B49-6871-4513-19F0-0B5C2AD519C1}"/>
+              </a:ext>
+            </a:extLst>
+          </p:cNvPr>
+          <p:cNvPicPr>
+            <a:picLocks noGrp="1" noChangeAspect="1" noChangeArrowheads="1"/>
+          </p:cNvPicPr>
           <p:nvPr>
             <p:ph sz="half" idx="2"/>
           </p:nvPr>
-        </p:nvSpPr>
-        <p:spPr>
+        </p:nvPicPr>
+        <p:blipFill>
+          <a:blip r:embed="rId2">
+            <a:extLst>
+              <a:ext uri="{28A0092B-C50C-407E-A947-70E740481C1C}">
+                <a14:useLocalDpi xmlns:a14="http://schemas.microsoft.com/office/drawing/2010/main" val="0"/>
+              </a:ext>
+            </a:extLst>
+          </a:blip>
+          <a:srcRect/>
+          <a:stretch>
+            <a:fillRect/>
+          </a:stretch>
+        </p:blipFill>
+        <p:spPr bwMode="auto">
           <a:xfrm>
-            <a:off x="6172200" y="574200"/>
-            <a:ext cx="5181600" cy="5709599"/>
+            <a:off x="6427179" y="2195146"/>
+            <a:ext cx="5181600" cy="2590800"/>
           </a:xfrm>
+          <a:prstGeom prst="rect">
+            <a:avLst/>
+          </a:prstGeom>
+          <a:noFill/>
+          <a:extLst>
+            <a:ext uri="{909E8E84-426E-40DD-AFC4-6F175D3DCCD1}">
+              <a14:hiddenFill xmlns:a14="http://schemas.microsoft.com/office/drawing/2010/main">
+                <a:solidFill>
+                  <a:srgbClr val="FFFFFF"/>
+                </a:solidFill>
+              </a14:hiddenFill>
+            </a:ext>
+          </a:extLst>
         </p:spPr>
-        <p:txBody>
-          <a:bodyPr>
-            <a:normAutofit fontScale="92500" lnSpcReduction="10000"/>
-          </a:bodyPr>
-          <a:lstStyle/>
-          <a:p>
-            <a:endParaRPr lang="bg-BG" dirty="0"/>
-          </a:p>
-        </p:txBody>
-      </p:sp>
+      </p:pic>
     </p:spTree>
     <p:extLst>
       <p:ext uri="{BB962C8B-B14F-4D97-AF65-F5344CB8AC3E}">

--- a/kvantova vizika.pptx
+++ b/kvantova vizika.pptx
@@ -275,7 +275,7 @@
           <a:p>
             <a:fld id="{E7F173BD-1082-4503-BC6F-F0C637969118}" type="datetimeFigureOut">
               <a:rPr lang="bg-BG" smtClean="0"/>
-              <a:t>20.1.2026 г.</a:t>
+              <a:t>21.1.2026 г.</a:t>
             </a:fld>
             <a:endParaRPr lang="bg-BG"/>
           </a:p>
@@ -345,6 +345,9 @@
   <p:clrMapOvr>
     <a:masterClrMapping/>
   </p:clrMapOvr>
+  <p:transition spd="slow">
+    <p:push dir="u"/>
+  </p:transition>
 </p:sldLayout>
 </file>
 
@@ -475,7 +478,7 @@
           <a:p>
             <a:fld id="{E7F173BD-1082-4503-BC6F-F0C637969118}" type="datetimeFigureOut">
               <a:rPr lang="bg-BG" smtClean="0"/>
-              <a:t>20.1.2026 г.</a:t>
+              <a:t>21.1.2026 г.</a:t>
             </a:fld>
             <a:endParaRPr lang="bg-BG"/>
           </a:p>
@@ -545,6 +548,9 @@
   <p:clrMapOvr>
     <a:masterClrMapping/>
   </p:clrMapOvr>
+  <p:transition spd="slow">
+    <p:push dir="u"/>
+  </p:transition>
 </p:sldLayout>
 </file>
 
@@ -685,7 +691,7 @@
           <a:p>
             <a:fld id="{E7F173BD-1082-4503-BC6F-F0C637969118}" type="datetimeFigureOut">
               <a:rPr lang="bg-BG" smtClean="0"/>
-              <a:t>20.1.2026 г.</a:t>
+              <a:t>21.1.2026 г.</a:t>
             </a:fld>
             <a:endParaRPr lang="bg-BG"/>
           </a:p>
@@ -755,6 +761,9 @@
   <p:clrMapOvr>
     <a:masterClrMapping/>
   </p:clrMapOvr>
+  <p:transition spd="slow">
+    <p:push dir="u"/>
+  </p:transition>
 </p:sldLayout>
 </file>
 
@@ -885,7 +894,7 @@
           <a:p>
             <a:fld id="{E7F173BD-1082-4503-BC6F-F0C637969118}" type="datetimeFigureOut">
               <a:rPr lang="bg-BG" smtClean="0"/>
-              <a:t>20.1.2026 г.</a:t>
+              <a:t>21.1.2026 г.</a:t>
             </a:fld>
             <a:endParaRPr lang="bg-BG"/>
           </a:p>
@@ -955,6 +964,9 @@
   <p:clrMapOvr>
     <a:masterClrMapping/>
   </p:clrMapOvr>
+  <p:transition spd="slow">
+    <p:push dir="u"/>
+  </p:transition>
 </p:sldLayout>
 </file>
 
@@ -1161,7 +1173,7 @@
           <a:p>
             <a:fld id="{E7F173BD-1082-4503-BC6F-F0C637969118}" type="datetimeFigureOut">
               <a:rPr lang="bg-BG" smtClean="0"/>
-              <a:t>20.1.2026 г.</a:t>
+              <a:t>21.1.2026 г.</a:t>
             </a:fld>
             <a:endParaRPr lang="bg-BG"/>
           </a:p>
@@ -1231,6 +1243,9 @@
   <p:clrMapOvr>
     <a:masterClrMapping/>
   </p:clrMapOvr>
+  <p:transition spd="slow">
+    <p:push dir="u"/>
+  </p:transition>
 </p:sldLayout>
 </file>
 
@@ -1429,7 +1444,7 @@
           <a:p>
             <a:fld id="{E7F173BD-1082-4503-BC6F-F0C637969118}" type="datetimeFigureOut">
               <a:rPr lang="bg-BG" smtClean="0"/>
-              <a:t>20.1.2026 г.</a:t>
+              <a:t>21.1.2026 г.</a:t>
             </a:fld>
             <a:endParaRPr lang="bg-BG"/>
           </a:p>
@@ -1499,6 +1514,9 @@
   <p:clrMapOvr>
     <a:masterClrMapping/>
   </p:clrMapOvr>
+  <p:transition spd="slow">
+    <p:push dir="u"/>
+  </p:transition>
 </p:sldLayout>
 </file>
 
@@ -1844,7 +1862,7 @@
           <a:p>
             <a:fld id="{E7F173BD-1082-4503-BC6F-F0C637969118}" type="datetimeFigureOut">
               <a:rPr lang="bg-BG" smtClean="0"/>
-              <a:t>20.1.2026 г.</a:t>
+              <a:t>21.1.2026 г.</a:t>
             </a:fld>
             <a:endParaRPr lang="bg-BG"/>
           </a:p>
@@ -1914,6 +1932,9 @@
   <p:clrMapOvr>
     <a:masterClrMapping/>
   </p:clrMapOvr>
+  <p:transition spd="slow">
+    <p:push dir="u"/>
+  </p:transition>
 </p:sldLayout>
 </file>
 
@@ -1986,7 +2007,7 @@
           <a:p>
             <a:fld id="{E7F173BD-1082-4503-BC6F-F0C637969118}" type="datetimeFigureOut">
               <a:rPr lang="bg-BG" smtClean="0"/>
-              <a:t>20.1.2026 г.</a:t>
+              <a:t>21.1.2026 г.</a:t>
             </a:fld>
             <a:endParaRPr lang="bg-BG"/>
           </a:p>
@@ -2056,6 +2077,9 @@
   <p:clrMapOvr>
     <a:masterClrMapping/>
   </p:clrMapOvr>
+  <p:transition spd="slow">
+    <p:push dir="u"/>
+  </p:transition>
 </p:sldLayout>
 </file>
 
@@ -2099,7 +2123,7 @@
           <a:p>
             <a:fld id="{E7F173BD-1082-4503-BC6F-F0C637969118}" type="datetimeFigureOut">
               <a:rPr lang="bg-BG" smtClean="0"/>
-              <a:t>20.1.2026 г.</a:t>
+              <a:t>21.1.2026 г.</a:t>
             </a:fld>
             <a:endParaRPr lang="bg-BG"/>
           </a:p>
@@ -2169,6 +2193,9 @@
   <p:clrMapOvr>
     <a:masterClrMapping/>
   </p:clrMapOvr>
+  <p:transition spd="slow">
+    <p:push dir="u"/>
+  </p:transition>
 </p:sldLayout>
 </file>
 
@@ -2412,7 +2439,7 @@
           <a:p>
             <a:fld id="{E7F173BD-1082-4503-BC6F-F0C637969118}" type="datetimeFigureOut">
               <a:rPr lang="bg-BG" smtClean="0"/>
-              <a:t>20.1.2026 г.</a:t>
+              <a:t>21.1.2026 г.</a:t>
             </a:fld>
             <a:endParaRPr lang="bg-BG"/>
           </a:p>
@@ -2482,6 +2509,9 @@
   <p:clrMapOvr>
     <a:masterClrMapping/>
   </p:clrMapOvr>
+  <p:transition spd="slow">
+    <p:push dir="u"/>
+  </p:transition>
 </p:sldLayout>
 </file>
 
@@ -2701,7 +2731,7 @@
           <a:p>
             <a:fld id="{E7F173BD-1082-4503-BC6F-F0C637969118}" type="datetimeFigureOut">
               <a:rPr lang="bg-BG" smtClean="0"/>
-              <a:t>20.1.2026 г.</a:t>
+              <a:t>21.1.2026 г.</a:t>
             </a:fld>
             <a:endParaRPr lang="bg-BG"/>
           </a:p>
@@ -2771,6 +2801,9 @@
   <p:clrMapOvr>
     <a:masterClrMapping/>
   </p:clrMapOvr>
+  <p:transition spd="slow">
+    <p:push dir="u"/>
+  </p:transition>
 </p:sldLayout>
 </file>
 
@@ -2944,7 +2977,7 @@
           <a:p>
             <a:fld id="{E7F173BD-1082-4503-BC6F-F0C637969118}" type="datetimeFigureOut">
               <a:rPr lang="bg-BG" smtClean="0"/>
-              <a:t>20.1.2026 г.</a:t>
+              <a:t>21.1.2026 г.</a:t>
             </a:fld>
             <a:endParaRPr lang="bg-BG"/>
           </a:p>
@@ -3061,6 +3094,9 @@
     <p:sldLayoutId id="2147483658" r:id="rId10"/>
     <p:sldLayoutId id="2147483659" r:id="rId11"/>
   </p:sldLayoutIdLst>
+  <p:transition spd="slow">
+    <p:push dir="u"/>
+  </p:transition>
   <p:txStyles>
     <p:titleStyle>
       <a:lvl1pPr algn="l" defTabSz="914400" rtl="0" eaLnBrk="1" latinLnBrk="0" hangingPunct="1">
@@ -3537,6 +3573,14 @@
   <p:clrMapOvr>
     <a:masterClrMapping/>
   </p:clrMapOvr>
+  <mc:AlternateContent xmlns:mc="http://schemas.openxmlformats.org/markup-compatibility/2006">
+    <mc:Choice xmlns:p14="http://schemas.microsoft.com/office/powerpoint/2010/main" Requires="p14">
+      <p:transition p14:dur="0"/>
+    </mc:Choice>
+    <mc:Fallback>
+      <p:transition/>
+    </mc:Fallback>
+  </mc:AlternateContent>
 </p:sld>
 </file>
 
@@ -3644,6 +3688,9 @@
   <p:clrMapOvr>
     <a:masterClrMapping/>
   </p:clrMapOvr>
+  <p:transition spd="slow">
+    <p:push dir="u"/>
+  </p:transition>
 </p:sld>
 </file>
 
@@ -3850,6 +3897,9 @@
   <p:clrMapOvr>
     <a:masterClrMapping/>
   </p:clrMapOvr>
+  <p:transition spd="slow">
+    <p:push dir="u"/>
+  </p:transition>
 </p:sld>
 </file>
 
@@ -3960,6 +4010,9 @@
   <p:clrMapOvr>
     <a:masterClrMapping/>
   </p:clrMapOvr>
+  <p:transition spd="slow">
+    <p:push dir="u"/>
+  </p:transition>
 </p:sld>
 </file>
 
@@ -4117,6 +4170,9 @@
   <p:clrMapOvr>
     <a:masterClrMapping/>
   </p:clrMapOvr>
+  <p:transition spd="slow">
+    <p:push dir="u"/>
+  </p:transition>
 </p:sld>
 </file>
 
@@ -4221,6 +4277,9 @@
   <p:clrMapOvr>
     <a:masterClrMapping/>
   </p:clrMapOvr>
+  <p:transition spd="slow">
+    <p:push dir="u"/>
+  </p:transition>
 </p:sld>
 </file>
 
@@ -4396,6 +4455,9 @@
   <p:clrMapOvr>
     <a:masterClrMapping/>
   </p:clrMapOvr>
+  <p:transition spd="slow">
+    <p:push dir="u"/>
+  </p:transition>
 </p:sld>
 </file>
 
@@ -4547,13 +4609,13 @@
   <p:clrMapOvr>
     <a:masterClrMapping/>
   </p:clrMapOvr>
-  <mc:AlternateContent xmlns:mc="http://schemas.openxmlformats.org/markup-compatibility/2006" xmlns:p159="http://schemas.microsoft.com/office/powerpoint/2015/09/main">
-    <mc:Choice Requires="p159">
+  <mc:AlternateContent xmlns:mc="http://schemas.openxmlformats.org/markup-compatibility/2006">
+    <mc:Choice xmlns:p159="http://schemas.microsoft.com/office/powerpoint/2015/09/main" Requires="p159">
       <p:transition xmlns:p14="http://schemas.microsoft.com/office/powerpoint/2010/main" spd="slow" p14:dur="2000">
         <p159:morph option="byObject"/>
       </p:transition>
     </mc:Choice>
-    <mc:Fallback xmlns="">
+    <mc:Fallback>
       <p:transition spd="slow">
         <p:fade/>
       </p:transition>
@@ -4809,6 +4871,9 @@
   <p:clrMapOvr>
     <a:masterClrMapping/>
   </p:clrMapOvr>
+  <p:transition spd="slow">
+    <p:push dir="u"/>
+  </p:transition>
 </p:sld>
 </file>
 
@@ -5050,6 +5115,9 @@
   <p:clrMapOvr>
     <a:masterClrMapping/>
   </p:clrMapOvr>
+  <p:transition spd="slow">
+    <p:push dir="u"/>
+  </p:transition>
 </p:sld>
 </file>
 
@@ -5176,6 +5244,9 @@
   <p:clrMapOvr>
     <a:masterClrMapping/>
   </p:clrMapOvr>
+  <p:transition spd="slow">
+    <p:push dir="u"/>
+  </p:transition>
 </p:sld>
 </file>
 
@@ -5377,6 +5448,9 @@
   <p:clrMapOvr>
     <a:masterClrMapping/>
   </p:clrMapOvr>
+  <p:transition spd="slow">
+    <p:push dir="u"/>
+  </p:transition>
 </p:sld>
 </file>
 
@@ -5503,6 +5577,9 @@
   <p:clrMapOvr>
     <a:masterClrMapping/>
   </p:clrMapOvr>
+  <p:transition spd="slow">
+    <p:push dir="u"/>
+  </p:transition>
 </p:sld>
 </file>
 
@@ -5685,6 +5762,9 @@
   <p:clrMapOvr>
     <a:masterClrMapping/>
   </p:clrMapOvr>
+  <p:transition spd="slow">
+    <p:push dir="u"/>
+  </p:transition>
 </p:sld>
 </file>
 

--- a/kvantova vizika.pptx
+++ b/kvantova vizika.pptx
@@ -20,6 +20,11 @@
     <p:sldId id="269" r:id="rId14"/>
     <p:sldId id="270" r:id="rId15"/>
     <p:sldId id="271" r:id="rId16"/>
+    <p:sldId id="272" r:id="rId17"/>
+    <p:sldId id="273" r:id="rId18"/>
+    <p:sldId id="274" r:id="rId19"/>
+    <p:sldId id="275" r:id="rId20"/>
+    <p:sldId id="276" r:id="rId21"/>
   </p:sldIdLst>
   <p:sldSz cx="12192000" cy="6858000"/>
   <p:notesSz cx="6858000" cy="9144000"/>
@@ -3573,11 +3578,11 @@
   <p:clrMapOvr>
     <a:masterClrMapping/>
   </p:clrMapOvr>
-  <mc:AlternateContent xmlns:mc="http://schemas.openxmlformats.org/markup-compatibility/2006">
-    <mc:Choice xmlns:p14="http://schemas.microsoft.com/office/powerpoint/2010/main" Requires="p14">
+  <mc:AlternateContent xmlns:mc="http://schemas.openxmlformats.org/markup-compatibility/2006" xmlns:p14="http://schemas.microsoft.com/office/powerpoint/2010/main">
+    <mc:Choice Requires="p14">
       <p:transition p14:dur="0"/>
     </mc:Choice>
-    <mc:Fallback>
+    <mc:Fallback xmlns="">
       <p:transition/>
     </mc:Fallback>
   </mc:AlternateContent>
@@ -4461,6 +4466,585 @@
 </p:sld>
 </file>
 
+<file path=ppt/slides/slide16.xml><?xml version="1.0" encoding="utf-8"?>
+<p:sld xmlns:a="http://schemas.openxmlformats.org/drawingml/2006/main" xmlns:r="http://schemas.openxmlformats.org/officeDocument/2006/relationships" xmlns:p="http://schemas.openxmlformats.org/presentationml/2006/main">
+  <p:cSld>
+    <p:spTree>
+      <p:nvGrpSpPr>
+        <p:cNvPr id="1" name=""/>
+        <p:cNvGrpSpPr/>
+        <p:nvPr/>
+      </p:nvGrpSpPr>
+      <p:grpSpPr>
+        <a:xfrm>
+          <a:off x="0" y="0"/>
+          <a:ext cx="0" cy="0"/>
+          <a:chOff x="0" y="0"/>
+          <a:chExt cx="0" cy="0"/>
+        </a:xfrm>
+      </p:grpSpPr>
+      <p:sp>
+        <p:nvSpPr>
+          <p:cNvPr id="2" name="Title 1">
+            <a:extLst>
+              <a:ext uri="{FF2B5EF4-FFF2-40B4-BE49-F238E27FC236}">
+                <a16:creationId xmlns:a16="http://schemas.microsoft.com/office/drawing/2014/main" id="{66B26417-EE1B-9815-853C-77875B221485}"/>
+              </a:ext>
+            </a:extLst>
+          </p:cNvPr>
+          <p:cNvSpPr>
+            <a:spLocks noGrp="1"/>
+          </p:cNvSpPr>
+          <p:nvPr>
+            <p:ph type="title"/>
+          </p:nvPr>
+        </p:nvSpPr>
+        <p:spPr/>
+        <p:txBody>
+          <a:bodyPr/>
+          <a:lstStyle/>
+          <a:p>
+            <a:r>
+              <a:rPr lang="bg-BG" dirty="0"/>
+              <a:t>7. Квантово заплитане</a:t>
+            </a:r>
+          </a:p>
+        </p:txBody>
+      </p:sp>
+      <p:sp>
+        <p:nvSpPr>
+          <p:cNvPr id="3" name="Text Placeholder 2">
+            <a:extLst>
+              <a:ext uri="{FF2B5EF4-FFF2-40B4-BE49-F238E27FC236}">
+                <a16:creationId xmlns:a16="http://schemas.microsoft.com/office/drawing/2014/main" id="{82302E61-6BE8-2FE5-C216-1FD0FA9F2073}"/>
+              </a:ext>
+            </a:extLst>
+          </p:cNvPr>
+          <p:cNvSpPr>
+            <a:spLocks noGrp="1"/>
+          </p:cNvSpPr>
+          <p:nvPr>
+            <p:ph type="body" idx="1"/>
+          </p:nvPr>
+        </p:nvSpPr>
+        <p:spPr/>
+        <p:txBody>
+          <a:bodyPr/>
+          <a:lstStyle/>
+          <a:p>
+            <a:r>
+              <a:rPr lang="ru-RU" dirty="0">
+                <a:solidFill>
+                  <a:schemeClr val="tx1"/>
+                </a:solidFill>
+              </a:rPr>
+              <a:t>Учени: Айнщайн, Подолски и Розен (EPR), по-късно Джон Бел</a:t>
+            </a:r>
+          </a:p>
+          <a:p>
+            <a:r>
+              <a:rPr lang="ru-RU" dirty="0">
+                <a:solidFill>
+                  <a:schemeClr val="tx1"/>
+                </a:solidFill>
+              </a:rPr>
+              <a:t>Година: 1935 г.</a:t>
+            </a:r>
+          </a:p>
+          <a:p>
+            <a:endParaRPr lang="bg-BG" dirty="0"/>
+          </a:p>
+        </p:txBody>
+      </p:sp>
+    </p:spTree>
+    <p:extLst>
+      <p:ext uri="{BB962C8B-B14F-4D97-AF65-F5344CB8AC3E}">
+        <p14:creationId xmlns:p14="http://schemas.microsoft.com/office/powerpoint/2010/main" val="1076063917"/>
+      </p:ext>
+    </p:extLst>
+  </p:cSld>
+  <p:clrMapOvr>
+    <a:masterClrMapping/>
+  </p:clrMapOvr>
+  <p:transition spd="slow">
+    <p:push dir="u"/>
+  </p:transition>
+</p:sld>
+</file>
+
+<file path=ppt/slides/slide17.xml><?xml version="1.0" encoding="utf-8"?>
+<p:sld xmlns:a="http://schemas.openxmlformats.org/drawingml/2006/main" xmlns:r="http://schemas.openxmlformats.org/officeDocument/2006/relationships" xmlns:p="http://schemas.openxmlformats.org/presentationml/2006/main">
+  <p:cSld>
+    <p:spTree>
+      <p:nvGrpSpPr>
+        <p:cNvPr id="1" name=""/>
+        <p:cNvGrpSpPr/>
+        <p:nvPr/>
+      </p:nvGrpSpPr>
+      <p:grpSpPr>
+        <a:xfrm>
+          <a:off x="0" y="0"/>
+          <a:ext cx="0" cy="0"/>
+          <a:chOff x="0" y="0"/>
+          <a:chExt cx="0" cy="0"/>
+        </a:xfrm>
+      </p:grpSpPr>
+      <p:sp>
+        <p:nvSpPr>
+          <p:cNvPr id="3" name="Content Placeholder 2">
+            <a:extLst>
+              <a:ext uri="{FF2B5EF4-FFF2-40B4-BE49-F238E27FC236}">
+                <a16:creationId xmlns:a16="http://schemas.microsoft.com/office/drawing/2014/main" id="{E51E4305-BC3A-393A-08EA-8689E970D783}"/>
+              </a:ext>
+            </a:extLst>
+          </p:cNvPr>
+          <p:cNvSpPr>
+            <a:spLocks noGrp="1"/>
+          </p:cNvSpPr>
+          <p:nvPr>
+            <p:ph sz="half" idx="1"/>
+          </p:nvPr>
+        </p:nvSpPr>
+        <p:spPr>
+          <a:xfrm>
+            <a:off x="838201" y="574200"/>
+            <a:ext cx="5181600" cy="5709600"/>
+          </a:xfrm>
+        </p:spPr>
+        <p:txBody>
+          <a:bodyPr>
+            <a:normAutofit fontScale="85000" lnSpcReduction="20000"/>
+          </a:bodyPr>
+          <a:lstStyle/>
+          <a:p>
+            <a:r>
+              <a:rPr lang="ru-RU" dirty="0"/>
+              <a:t>Теория</a:t>
+            </a:r>
+            <a:r>
+              <a:rPr lang="en-US" dirty="0"/>
+              <a:t>:</a:t>
+            </a:r>
+            <a:endParaRPr lang="ru-RU" dirty="0"/>
+          </a:p>
+          <a:p>
+            <a:endParaRPr lang="ru-RU" dirty="0"/>
+          </a:p>
+          <a:p>
+            <a:r>
+              <a:rPr lang="ru-RU" dirty="0"/>
+              <a:t>Две частици могат да станат квантово свързани, така че състоянието на едната моментално определя състоянието на другата, независимо от разстоянието между тях.</a:t>
+            </a:r>
+            <a:r>
+              <a:rPr lang="en-US" dirty="0"/>
+              <a:t> </a:t>
+            </a:r>
+            <a:r>
+              <a:rPr lang="ru-RU" dirty="0"/>
+              <a:t>Айнщайн го нарича „призрачно действие от разстояние“.</a:t>
+            </a:r>
+          </a:p>
+          <a:p>
+            <a:endParaRPr lang="ru-RU" dirty="0"/>
+          </a:p>
+          <a:p>
+            <a:r>
+              <a:rPr lang="ru-RU" dirty="0"/>
+              <a:t>Пример</a:t>
+            </a:r>
+            <a:r>
+              <a:rPr lang="en-US" dirty="0"/>
+              <a:t>:</a:t>
+            </a:r>
+            <a:endParaRPr lang="ru-RU" dirty="0"/>
+          </a:p>
+          <a:p>
+            <a:endParaRPr lang="ru-RU" dirty="0"/>
+          </a:p>
+          <a:p>
+            <a:r>
+              <a:rPr lang="ru-RU" dirty="0"/>
+              <a:t>Две заплетени частици:</a:t>
+            </a:r>
+          </a:p>
+          <a:p>
+            <a:r>
+              <a:rPr lang="ru-RU" dirty="0"/>
+              <a:t>измерваш първата → спин нагоре,</a:t>
+            </a:r>
+          </a:p>
+          <a:p>
+            <a:r>
+              <a:rPr lang="ru-RU" dirty="0"/>
+              <a:t>втората веднага става със спин надолу, дори да е на другия край на Вселената.</a:t>
+            </a:r>
+          </a:p>
+        </p:txBody>
+      </p:sp>
+      <p:pic>
+        <p:nvPicPr>
+          <p:cNvPr id="1026" name="Picture 2" descr="Визуализация на квантовото заплитане в реално време с помощта на двуфотонна  холография - kaldata.com">
+            <a:extLst>
+              <a:ext uri="{FF2B5EF4-FFF2-40B4-BE49-F238E27FC236}">
+                <a16:creationId xmlns:a16="http://schemas.microsoft.com/office/drawing/2014/main" id="{F3A24098-EE90-CD10-DC8F-E90AB03BB2D5}"/>
+              </a:ext>
+            </a:extLst>
+          </p:cNvPr>
+          <p:cNvPicPr>
+            <a:picLocks noGrp="1" noChangeAspect="1" noChangeArrowheads="1"/>
+          </p:cNvPicPr>
+          <p:nvPr>
+            <p:ph sz="half" idx="2"/>
+          </p:nvPr>
+        </p:nvPicPr>
+        <p:blipFill>
+          <a:blip r:embed="rId2">
+            <a:extLst>
+              <a:ext uri="{28A0092B-C50C-407E-A947-70E740481C1C}">
+                <a14:useLocalDpi xmlns:a14="http://schemas.microsoft.com/office/drawing/2010/main" val="0"/>
+              </a:ext>
+            </a:extLst>
+          </a:blip>
+          <a:srcRect/>
+          <a:stretch>
+            <a:fillRect/>
+          </a:stretch>
+        </p:blipFill>
+        <p:spPr bwMode="auto">
+          <a:xfrm>
+            <a:off x="6614651" y="1971675"/>
+            <a:ext cx="5181600" cy="2914650"/>
+          </a:xfrm>
+          <a:prstGeom prst="rect">
+            <a:avLst/>
+          </a:prstGeom>
+          <a:noFill/>
+          <a:extLst>
+            <a:ext uri="{909E8E84-426E-40DD-AFC4-6F175D3DCCD1}">
+              <a14:hiddenFill xmlns:a14="http://schemas.microsoft.com/office/drawing/2010/main">
+                <a:solidFill>
+                  <a:srgbClr val="FFFFFF"/>
+                </a:solidFill>
+              </a14:hiddenFill>
+            </a:ext>
+          </a:extLst>
+        </p:spPr>
+      </p:pic>
+    </p:spTree>
+    <p:extLst>
+      <p:ext uri="{BB962C8B-B14F-4D97-AF65-F5344CB8AC3E}">
+        <p14:creationId xmlns:p14="http://schemas.microsoft.com/office/powerpoint/2010/main" val="1430704563"/>
+      </p:ext>
+    </p:extLst>
+  </p:cSld>
+  <p:clrMapOvr>
+    <a:masterClrMapping/>
+  </p:clrMapOvr>
+  <p:transition spd="slow">
+    <p:push dir="u"/>
+  </p:transition>
+</p:sld>
+</file>
+
+<file path=ppt/slides/slide18.xml><?xml version="1.0" encoding="utf-8"?>
+<p:sld xmlns:a="http://schemas.openxmlformats.org/drawingml/2006/main" xmlns:r="http://schemas.openxmlformats.org/officeDocument/2006/relationships" xmlns:p="http://schemas.openxmlformats.org/presentationml/2006/main">
+  <p:cSld>
+    <p:spTree>
+      <p:nvGrpSpPr>
+        <p:cNvPr id="1" name=""/>
+        <p:cNvGrpSpPr/>
+        <p:nvPr/>
+      </p:nvGrpSpPr>
+      <p:grpSpPr>
+        <a:xfrm>
+          <a:off x="0" y="0"/>
+          <a:ext cx="0" cy="0"/>
+          <a:chOff x="0" y="0"/>
+          <a:chExt cx="0" cy="0"/>
+        </a:xfrm>
+      </p:grpSpPr>
+      <p:sp>
+        <p:nvSpPr>
+          <p:cNvPr id="2" name="Title 1">
+            <a:extLst>
+              <a:ext uri="{FF2B5EF4-FFF2-40B4-BE49-F238E27FC236}">
+                <a16:creationId xmlns:a16="http://schemas.microsoft.com/office/drawing/2014/main" id="{E63212C2-2B76-F096-E837-B3F56BFB8EDA}"/>
+              </a:ext>
+            </a:extLst>
+          </p:cNvPr>
+          <p:cNvSpPr>
+            <a:spLocks noGrp="1"/>
+          </p:cNvSpPr>
+          <p:nvPr>
+            <p:ph type="title"/>
+          </p:nvPr>
+        </p:nvSpPr>
+        <p:spPr/>
+        <p:txBody>
+          <a:bodyPr/>
+          <a:lstStyle/>
+          <a:p>
+            <a:r>
+              <a:rPr lang="ru-RU" dirty="0"/>
+              <a:t>8. Вероятностен характер на квантовата физика</a:t>
+            </a:r>
+            <a:endParaRPr lang="bg-BG" dirty="0"/>
+          </a:p>
+        </p:txBody>
+      </p:sp>
+      <p:sp>
+        <p:nvSpPr>
+          <p:cNvPr id="3" name="Text Placeholder 2">
+            <a:extLst>
+              <a:ext uri="{FF2B5EF4-FFF2-40B4-BE49-F238E27FC236}">
+                <a16:creationId xmlns:a16="http://schemas.microsoft.com/office/drawing/2014/main" id="{0417F52A-2D50-B486-F665-D3F0233FDE93}"/>
+              </a:ext>
+            </a:extLst>
+          </p:cNvPr>
+          <p:cNvSpPr>
+            <a:spLocks noGrp="1"/>
+          </p:cNvSpPr>
+          <p:nvPr>
+            <p:ph type="body" idx="1"/>
+          </p:nvPr>
+        </p:nvSpPr>
+        <p:spPr/>
+        <p:txBody>
+          <a:bodyPr/>
+          <a:lstStyle/>
+          <a:p>
+            <a:r>
+              <a:rPr lang="ru-RU" dirty="0">
+                <a:solidFill>
+                  <a:schemeClr val="tx1"/>
+                </a:solidFill>
+              </a:rPr>
+              <a:t>Учен: Макс Борн</a:t>
+            </a:r>
+          </a:p>
+          <a:p>
+            <a:r>
+              <a:rPr lang="ru-RU" dirty="0">
+                <a:solidFill>
+                  <a:schemeClr val="tx1"/>
+                </a:solidFill>
+              </a:rPr>
+              <a:t>Година: 1926 г.</a:t>
+            </a:r>
+            <a:endParaRPr lang="bg-BG" dirty="0">
+              <a:solidFill>
+                <a:schemeClr val="tx1"/>
+              </a:solidFill>
+            </a:endParaRPr>
+          </a:p>
+        </p:txBody>
+      </p:sp>
+    </p:spTree>
+    <p:extLst>
+      <p:ext uri="{BB962C8B-B14F-4D97-AF65-F5344CB8AC3E}">
+        <p14:creationId xmlns:p14="http://schemas.microsoft.com/office/powerpoint/2010/main" val="1954860785"/>
+      </p:ext>
+    </p:extLst>
+  </p:cSld>
+  <p:clrMapOvr>
+    <a:masterClrMapping/>
+  </p:clrMapOvr>
+  <p:transition spd="slow">
+    <p:push dir="u"/>
+  </p:transition>
+</p:sld>
+</file>
+
+<file path=ppt/slides/slide19.xml><?xml version="1.0" encoding="utf-8"?>
+<p:sld xmlns:a="http://schemas.openxmlformats.org/drawingml/2006/main" xmlns:r="http://schemas.openxmlformats.org/officeDocument/2006/relationships" xmlns:p="http://schemas.openxmlformats.org/presentationml/2006/main">
+  <p:cSld>
+    <p:spTree>
+      <p:nvGrpSpPr>
+        <p:cNvPr id="1" name=""/>
+        <p:cNvGrpSpPr/>
+        <p:nvPr/>
+      </p:nvGrpSpPr>
+      <p:grpSpPr>
+        <a:xfrm>
+          <a:off x="0" y="0"/>
+          <a:ext cx="0" cy="0"/>
+          <a:chOff x="0" y="0"/>
+          <a:chExt cx="0" cy="0"/>
+        </a:xfrm>
+      </p:grpSpPr>
+      <p:sp>
+        <p:nvSpPr>
+          <p:cNvPr id="3" name="Content Placeholder 2">
+            <a:extLst>
+              <a:ext uri="{FF2B5EF4-FFF2-40B4-BE49-F238E27FC236}">
+                <a16:creationId xmlns:a16="http://schemas.microsoft.com/office/drawing/2014/main" id="{53741784-029D-464A-6DEE-EBC28D18DBCA}"/>
+              </a:ext>
+            </a:extLst>
+          </p:cNvPr>
+          <p:cNvSpPr>
+            <a:spLocks noGrp="1"/>
+          </p:cNvSpPr>
+          <p:nvPr>
+            <p:ph sz="half" idx="1"/>
+          </p:nvPr>
+        </p:nvSpPr>
+        <p:spPr>
+          <a:xfrm>
+            <a:off x="838200" y="574200"/>
+            <a:ext cx="5181600" cy="5709600"/>
+          </a:xfrm>
+        </p:spPr>
+        <p:txBody>
+          <a:bodyPr>
+            <a:normAutofit fontScale="92500" lnSpcReduction="20000"/>
+          </a:bodyPr>
+          <a:lstStyle/>
+          <a:p>
+            <a:r>
+              <a:rPr lang="ru-RU" dirty="0"/>
+              <a:t>Теория</a:t>
+            </a:r>
+            <a:r>
+              <a:rPr lang="en-US" dirty="0"/>
+              <a:t>:</a:t>
+            </a:r>
+            <a:endParaRPr lang="ru-RU" dirty="0"/>
+          </a:p>
+          <a:p>
+            <a:endParaRPr lang="ru-RU" dirty="0"/>
+          </a:p>
+          <a:p>
+            <a:r>
+              <a:rPr lang="ru-RU" dirty="0"/>
+              <a:t>Квантовата физика не предсказва точни резултати, а вероятности.</a:t>
+            </a:r>
+            <a:r>
+              <a:rPr lang="en-US" dirty="0"/>
+              <a:t> </a:t>
+            </a:r>
+            <a:r>
+              <a:rPr lang="ru-RU" dirty="0"/>
+              <a:t>Вълновата функция не казва къде точно е частицата, а с каква вероятност може да бъде намерена там.</a:t>
+            </a:r>
+          </a:p>
+          <a:p>
+            <a:endParaRPr lang="ru-RU" dirty="0"/>
+          </a:p>
+          <a:p>
+            <a:r>
+              <a:rPr lang="ru-RU" dirty="0"/>
+              <a:t>Пример</a:t>
+            </a:r>
+            <a:r>
+              <a:rPr lang="en-US" dirty="0"/>
+              <a:t>:</a:t>
+            </a:r>
+            <a:endParaRPr lang="ru-RU" dirty="0"/>
+          </a:p>
+          <a:p>
+            <a:pPr marL="0" indent="0">
+              <a:buNone/>
+            </a:pPr>
+            <a:r>
+              <a:rPr lang="ru-RU" dirty="0"/>
+              <a:t>Не можем да кажем:</a:t>
+            </a:r>
+          </a:p>
+          <a:p>
+            <a:pPr marL="0" indent="0">
+              <a:buNone/>
+            </a:pPr>
+            <a:r>
+              <a:rPr lang="ru-RU" dirty="0"/>
+              <a:t>„Електронът е точно тук“</a:t>
+            </a:r>
+          </a:p>
+          <a:p>
+            <a:pPr marL="0" indent="0">
+              <a:buNone/>
+            </a:pPr>
+            <a:r>
+              <a:rPr lang="ru-RU" dirty="0"/>
+              <a:t>Можем да кажем:</a:t>
+            </a:r>
+          </a:p>
+          <a:p>
+            <a:pPr marL="0" indent="0">
+              <a:buNone/>
+            </a:pPr>
+            <a:r>
+              <a:rPr lang="ru-RU" dirty="0"/>
+              <a:t>„Има 80% шанс да е тук и 20% – там“</a:t>
+            </a:r>
+            <a:endParaRPr lang="bg-BG" dirty="0"/>
+          </a:p>
+        </p:txBody>
+      </p:sp>
+      <p:pic>
+        <p:nvPicPr>
+          <p:cNvPr id="2050" name="Picture 2" descr="Човешката душа е част от природата, макар и най-мистериозната – МАКС БОРН |  Четилище">
+            <a:extLst>
+              <a:ext uri="{FF2B5EF4-FFF2-40B4-BE49-F238E27FC236}">
+                <a16:creationId xmlns:a16="http://schemas.microsoft.com/office/drawing/2014/main" id="{2103BFF2-C08F-6113-EAB8-BFF696D84C75}"/>
+              </a:ext>
+            </a:extLst>
+          </p:cNvPr>
+          <p:cNvPicPr>
+            <a:picLocks noGrp="1" noChangeAspect="1" noChangeArrowheads="1"/>
+          </p:cNvPicPr>
+          <p:nvPr>
+            <p:ph sz="half" idx="2"/>
+          </p:nvPr>
+        </p:nvPicPr>
+        <p:blipFill>
+          <a:blip r:embed="rId2">
+            <a:extLst>
+              <a:ext uri="{28A0092B-C50C-407E-A947-70E740481C1C}">
+                <a14:useLocalDpi xmlns:a14="http://schemas.microsoft.com/office/drawing/2010/main" val="0"/>
+              </a:ext>
+            </a:extLst>
+          </a:blip>
+          <a:srcRect/>
+          <a:stretch>
+            <a:fillRect/>
+          </a:stretch>
+        </p:blipFill>
+        <p:spPr bwMode="auto">
+          <a:xfrm>
+            <a:off x="7064383" y="575150"/>
+            <a:ext cx="4065827" cy="5708650"/>
+          </a:xfrm>
+          <a:prstGeom prst="rect">
+            <a:avLst/>
+          </a:prstGeom>
+          <a:noFill/>
+          <a:extLst>
+            <a:ext uri="{909E8E84-426E-40DD-AFC4-6F175D3DCCD1}">
+              <a14:hiddenFill xmlns:a14="http://schemas.microsoft.com/office/drawing/2010/main">
+                <a:solidFill>
+                  <a:srgbClr val="FFFFFF"/>
+                </a:solidFill>
+              </a14:hiddenFill>
+            </a:ext>
+          </a:extLst>
+        </p:spPr>
+      </p:pic>
+    </p:spTree>
+    <p:extLst>
+      <p:ext uri="{BB962C8B-B14F-4D97-AF65-F5344CB8AC3E}">
+        <p14:creationId xmlns:p14="http://schemas.microsoft.com/office/powerpoint/2010/main" val="354476771"/>
+      </p:ext>
+    </p:extLst>
+  </p:cSld>
+  <p:clrMapOvr>
+    <a:masterClrMapping/>
+  </p:clrMapOvr>
+  <p:transition spd="slow">
+    <p:push dir="u"/>
+  </p:transition>
+</p:sld>
+</file>
+
 <file path=ppt/slides/slide2.xml><?xml version="1.0" encoding="utf-8"?>
 <p:sld xmlns:a="http://schemas.openxmlformats.org/drawingml/2006/main" xmlns:r="http://schemas.openxmlformats.org/officeDocument/2006/relationships" xmlns:p="http://schemas.openxmlformats.org/presentationml/2006/main">
   <p:cSld>
@@ -4609,18 +5193,132 @@
   <p:clrMapOvr>
     <a:masterClrMapping/>
   </p:clrMapOvr>
-  <mc:AlternateContent xmlns:mc="http://schemas.openxmlformats.org/markup-compatibility/2006">
-    <mc:Choice xmlns:p159="http://schemas.microsoft.com/office/powerpoint/2015/09/main" Requires="p159">
+  <mc:AlternateContent xmlns:mc="http://schemas.openxmlformats.org/markup-compatibility/2006" xmlns:p159="http://schemas.microsoft.com/office/powerpoint/2015/09/main">
+    <mc:Choice Requires="p159">
       <p:transition xmlns:p14="http://schemas.microsoft.com/office/powerpoint/2010/main" spd="slow" p14:dur="2000">
         <p159:morph option="byObject"/>
       </p:transition>
     </mc:Choice>
-    <mc:Fallback>
+    <mc:Fallback xmlns="">
       <p:transition spd="slow">
         <p:fade/>
       </p:transition>
     </mc:Fallback>
   </mc:AlternateContent>
+</p:sld>
+</file>
+
+<file path=ppt/slides/slide20.xml><?xml version="1.0" encoding="utf-8"?>
+<p:sld xmlns:a="http://schemas.openxmlformats.org/drawingml/2006/main" xmlns:r="http://schemas.openxmlformats.org/officeDocument/2006/relationships" xmlns:p="http://schemas.openxmlformats.org/presentationml/2006/main">
+  <p:cSld>
+    <p:spTree>
+      <p:nvGrpSpPr>
+        <p:cNvPr id="1" name=""/>
+        <p:cNvGrpSpPr/>
+        <p:nvPr/>
+      </p:nvGrpSpPr>
+      <p:grpSpPr>
+        <a:xfrm>
+          <a:off x="0" y="0"/>
+          <a:ext cx="0" cy="0"/>
+          <a:chOff x="0" y="0"/>
+          <a:chExt cx="0" cy="0"/>
+        </a:xfrm>
+      </p:grpSpPr>
+      <p:sp>
+        <p:nvSpPr>
+          <p:cNvPr id="2" name="Title 1">
+            <a:extLst>
+              <a:ext uri="{FF2B5EF4-FFF2-40B4-BE49-F238E27FC236}">
+                <a16:creationId xmlns:a16="http://schemas.microsoft.com/office/drawing/2014/main" id="{F4477F69-4B25-D6F1-EA6E-21F36BD08A2B}"/>
+              </a:ext>
+            </a:extLst>
+          </p:cNvPr>
+          <p:cNvSpPr>
+            <a:spLocks noGrp="1"/>
+          </p:cNvSpPr>
+          <p:nvPr>
+            <p:ph type="title"/>
+          </p:nvPr>
+        </p:nvSpPr>
+        <p:spPr>
+          <a:xfrm>
+            <a:off x="838200" y="1246187"/>
+            <a:ext cx="10515600" cy="1325563"/>
+          </a:xfrm>
+        </p:spPr>
+        <p:txBody>
+          <a:bodyPr/>
+          <a:lstStyle/>
+          <a:p>
+            <a:pPr algn="ctr"/>
+            <a:r>
+              <a:rPr lang="bg-BG" dirty="0"/>
+              <a:t>Благодаря за отделеното време!</a:t>
+            </a:r>
+          </a:p>
+        </p:txBody>
+      </p:sp>
+      <p:pic>
+        <p:nvPicPr>
+          <p:cNvPr id="3078" name="Picture 6" descr="Approved Meme GIFs | Tenor">
+            <a:extLst>
+              <a:ext uri="{FF2B5EF4-FFF2-40B4-BE49-F238E27FC236}">
+                <a16:creationId xmlns:a16="http://schemas.microsoft.com/office/drawing/2014/main" id="{B7DEBB6A-2841-BAD9-64D7-8FD63852EFEC}"/>
+              </a:ext>
+            </a:extLst>
+          </p:cNvPr>
+          <p:cNvPicPr>
+            <a:picLocks noChangeAspect="1" noChangeArrowheads="1"/>
+          </p:cNvPicPr>
+          <p:nvPr/>
+        </p:nvPicPr>
+        <p:blipFill>
+          <a:blip r:embed="rId2">
+            <a:extLst>
+              <a:ext uri="{28A0092B-C50C-407E-A947-70E740481C1C}">
+                <a14:useLocalDpi xmlns:a14="http://schemas.microsoft.com/office/drawing/2010/main" val="0"/>
+              </a:ext>
+            </a:extLst>
+          </a:blip>
+          <a:srcRect/>
+          <a:stretch>
+            <a:fillRect/>
+          </a:stretch>
+        </p:blipFill>
+        <p:spPr bwMode="auto">
+          <a:xfrm>
+            <a:off x="3810000" y="4286250"/>
+            <a:ext cx="4572000" cy="2571750"/>
+          </a:xfrm>
+          <a:prstGeom prst="rect">
+            <a:avLst/>
+          </a:prstGeom>
+          <a:noFill/>
+          <a:extLst>
+            <a:ext uri="{909E8E84-426E-40DD-AFC4-6F175D3DCCD1}">
+              <a14:hiddenFill xmlns:a14="http://schemas.microsoft.com/office/drawing/2010/main">
+                <a:solidFill>
+                  <a:srgbClr val="FFFFFF"/>
+                </a:solidFill>
+              </a14:hiddenFill>
+            </a:ext>
+          </a:extLst>
+        </p:spPr>
+      </p:pic>
+    </p:spTree>
+    <p:extLst>
+      <p:ext uri="{BB962C8B-B14F-4D97-AF65-F5344CB8AC3E}">
+        <p14:creationId xmlns:p14="http://schemas.microsoft.com/office/powerpoint/2010/main" val="4176399924"/>
+      </p:ext>
+    </p:extLst>
+  </p:cSld>
+  <p:clrMapOvr>
+    <a:masterClrMapping/>
+  </p:clrMapOvr>
+  <p:transition spd="slow">
+    <p:push dir="u"/>
+  </p:transition>
 </p:sld>
 </file>
 

--- a/kvantova vizika.pptx
+++ b/kvantova vizika.pptx
@@ -2816,9 +2816,12 @@
 <p:sldMaster xmlns:a="http://schemas.openxmlformats.org/drawingml/2006/main" xmlns:r="http://schemas.openxmlformats.org/officeDocument/2006/relationships" xmlns:p="http://schemas.openxmlformats.org/presentationml/2006/main">
   <p:cSld>
     <p:bg>
-      <p:bgRef idx="1001">
-        <a:schemeClr val="bg1"/>
-      </p:bgRef>
+      <p:bgPr>
+        <a:solidFill>
+          <a:schemeClr val="bg2"/>
+        </a:solidFill>
+        <a:effectLst/>
+      </p:bgPr>
     </p:bg>
     <p:spTree>
       <p:nvGrpSpPr>
@@ -3391,7 +3394,7 @@
     <p:bg>
       <p:bgPr>
         <a:solidFill>
-          <a:schemeClr val="bg1">
+          <a:schemeClr val="bg2">
             <a:lumMod val="50000"/>
           </a:schemeClr>
         </a:solidFill>
@@ -5051,7 +5054,7 @@
     <p:bg>
       <p:bgPr>
         <a:solidFill>
-          <a:schemeClr val="bg1">
+          <a:schemeClr val="bg2">
             <a:lumMod val="50000"/>
           </a:schemeClr>
         </a:solidFill>
@@ -5316,9 +5319,18 @@
   <p:clrMapOvr>
     <a:masterClrMapping/>
   </p:clrMapOvr>
-  <p:transition spd="slow">
-    <p:push dir="u"/>
-  </p:transition>
+  <mc:AlternateContent xmlns:mc="http://schemas.openxmlformats.org/markup-compatibility/2006">
+    <mc:Choice xmlns:p14="http://schemas.microsoft.com/office/powerpoint/2010/main" Requires="p14">
+      <p:transition spd="slow" p14:dur="1600">
+        <p14:prism isInverted="1"/>
+      </p:transition>
+    </mc:Choice>
+    <mc:Fallback>
+      <p:transition spd="slow">
+        <p:fade/>
+      </p:transition>
+    </mc:Fallback>
+  </mc:AlternateContent>
 </p:sld>
 </file>
 
@@ -5328,7 +5340,7 @@
     <p:bg>
       <p:bgPr>
         <a:solidFill>
-          <a:schemeClr val="tx2">
+          <a:schemeClr val="accent1">
             <a:lumMod val="60000"/>
             <a:lumOff val="40000"/>
           </a:schemeClr>

--- a/kvantova vizika.pptx
+++ b/kvantova vizika.pptx
@@ -3768,9 +3768,6 @@
             </a:r>
           </a:p>
           <a:p>
-            <a:endParaRPr lang="ru-RU" dirty="0"/>
-          </a:p>
-          <a:p>
             <a:r>
               <a:rPr lang="ru-RU" dirty="0"/>
               <a:t>Това не е грешка на измерването, а фундаментално свойство на природата.</a:t>
@@ -5319,13 +5316,13 @@
   <p:clrMapOvr>
     <a:masterClrMapping/>
   </p:clrMapOvr>
-  <mc:AlternateContent xmlns:mc="http://schemas.openxmlformats.org/markup-compatibility/2006">
-    <mc:Choice xmlns:p14="http://schemas.microsoft.com/office/powerpoint/2010/main" Requires="p14">
+  <mc:AlternateContent xmlns:mc="http://schemas.openxmlformats.org/markup-compatibility/2006" xmlns:p14="http://schemas.microsoft.com/office/powerpoint/2010/main">
+    <mc:Choice Requires="p14">
       <p:transition spd="slow" p14:dur="1600">
         <p14:prism isInverted="1"/>
       </p:transition>
     </mc:Choice>
-    <mc:Fallback>
+    <mc:Fallback xmlns="">
       <p:transition spd="slow">
         <p:fade/>
       </p:transition>

--- a/kvantova vizika.pptx
+++ b/kvantova vizika.pptx
@@ -280,7 +280,7 @@
           <a:p>
             <a:fld id="{E7F173BD-1082-4503-BC6F-F0C637969118}" type="datetimeFigureOut">
               <a:rPr lang="bg-BG" smtClean="0"/>
-              <a:t>21.1.2026 г.</a:t>
+              <a:t>22.1.2026 г.</a:t>
             </a:fld>
             <a:endParaRPr lang="bg-BG"/>
           </a:p>
@@ -483,7 +483,7 @@
           <a:p>
             <a:fld id="{E7F173BD-1082-4503-BC6F-F0C637969118}" type="datetimeFigureOut">
               <a:rPr lang="bg-BG" smtClean="0"/>
-              <a:t>21.1.2026 г.</a:t>
+              <a:t>22.1.2026 г.</a:t>
             </a:fld>
             <a:endParaRPr lang="bg-BG"/>
           </a:p>
@@ -696,7 +696,7 @@
           <a:p>
             <a:fld id="{E7F173BD-1082-4503-BC6F-F0C637969118}" type="datetimeFigureOut">
               <a:rPr lang="bg-BG" smtClean="0"/>
-              <a:t>21.1.2026 г.</a:t>
+              <a:t>22.1.2026 г.</a:t>
             </a:fld>
             <a:endParaRPr lang="bg-BG"/>
           </a:p>
@@ -899,7 +899,7 @@
           <a:p>
             <a:fld id="{E7F173BD-1082-4503-BC6F-F0C637969118}" type="datetimeFigureOut">
               <a:rPr lang="bg-BG" smtClean="0"/>
-              <a:t>21.1.2026 г.</a:t>
+              <a:t>22.1.2026 г.</a:t>
             </a:fld>
             <a:endParaRPr lang="bg-BG"/>
           </a:p>
@@ -1178,7 +1178,7 @@
           <a:p>
             <a:fld id="{E7F173BD-1082-4503-BC6F-F0C637969118}" type="datetimeFigureOut">
               <a:rPr lang="bg-BG" smtClean="0"/>
-              <a:t>21.1.2026 г.</a:t>
+              <a:t>22.1.2026 г.</a:t>
             </a:fld>
             <a:endParaRPr lang="bg-BG"/>
           </a:p>
@@ -1449,7 +1449,7 @@
           <a:p>
             <a:fld id="{E7F173BD-1082-4503-BC6F-F0C637969118}" type="datetimeFigureOut">
               <a:rPr lang="bg-BG" smtClean="0"/>
-              <a:t>21.1.2026 г.</a:t>
+              <a:t>22.1.2026 г.</a:t>
             </a:fld>
             <a:endParaRPr lang="bg-BG"/>
           </a:p>
@@ -1867,7 +1867,7 @@
           <a:p>
             <a:fld id="{E7F173BD-1082-4503-BC6F-F0C637969118}" type="datetimeFigureOut">
               <a:rPr lang="bg-BG" smtClean="0"/>
-              <a:t>21.1.2026 г.</a:t>
+              <a:t>22.1.2026 г.</a:t>
             </a:fld>
             <a:endParaRPr lang="bg-BG"/>
           </a:p>
@@ -2012,7 +2012,7 @@
           <a:p>
             <a:fld id="{E7F173BD-1082-4503-BC6F-F0C637969118}" type="datetimeFigureOut">
               <a:rPr lang="bg-BG" smtClean="0"/>
-              <a:t>21.1.2026 г.</a:t>
+              <a:t>22.1.2026 г.</a:t>
             </a:fld>
             <a:endParaRPr lang="bg-BG"/>
           </a:p>
@@ -2128,7 +2128,7 @@
           <a:p>
             <a:fld id="{E7F173BD-1082-4503-BC6F-F0C637969118}" type="datetimeFigureOut">
               <a:rPr lang="bg-BG" smtClean="0"/>
-              <a:t>21.1.2026 г.</a:t>
+              <a:t>22.1.2026 г.</a:t>
             </a:fld>
             <a:endParaRPr lang="bg-BG"/>
           </a:p>
@@ -2444,7 +2444,7 @@
           <a:p>
             <a:fld id="{E7F173BD-1082-4503-BC6F-F0C637969118}" type="datetimeFigureOut">
               <a:rPr lang="bg-BG" smtClean="0"/>
-              <a:t>21.1.2026 г.</a:t>
+              <a:t>22.1.2026 г.</a:t>
             </a:fld>
             <a:endParaRPr lang="bg-BG"/>
           </a:p>
@@ -2736,7 +2736,7 @@
           <a:p>
             <a:fld id="{E7F173BD-1082-4503-BC6F-F0C637969118}" type="datetimeFigureOut">
               <a:rPr lang="bg-BG" smtClean="0"/>
-              <a:t>21.1.2026 г.</a:t>
+              <a:t>22.1.2026 г.</a:t>
             </a:fld>
             <a:endParaRPr lang="bg-BG"/>
           </a:p>
@@ -2985,7 +2985,7 @@
           <a:p>
             <a:fld id="{E7F173BD-1082-4503-BC6F-F0C637969118}" type="datetimeFigureOut">
               <a:rPr lang="bg-BG" smtClean="0"/>
-              <a:t>21.1.2026 г.</a:t>
+              <a:t>22.1.2026 г.</a:t>
             </a:fld>
             <a:endParaRPr lang="bg-BG"/>
           </a:p>
@@ -6401,7 +6401,19 @@
             </a:r>
             <a:r>
               <a:rPr lang="ru-RU" b="1" dirty="0"/>
-              <a:t>интерференчна картина</a:t>
+              <a:t>интерферен</a:t>
+            </a:r>
+            <a:r>
+              <a:rPr lang="bg-BG" b="1"/>
+              <a:t>т</a:t>
+            </a:r>
+            <a:r>
+              <a:rPr lang="ru-RU" b="1"/>
+              <a:t>на </a:t>
+            </a:r>
+            <a:r>
+              <a:rPr lang="ru-RU" b="1" dirty="0"/>
+              <a:t>картина</a:t>
             </a:r>
             <a:r>
               <a:rPr lang="ru-RU" dirty="0"/>

--- a/kvantova vizika.pptx
+++ b/kvantova vizika.pptx
@@ -3429,7 +3429,7 @@
         </p:nvSpPr>
         <p:spPr>
           <a:xfrm>
-            <a:off x="1406769" y="1556238"/>
+            <a:off x="1406769" y="1565030"/>
             <a:ext cx="9144000" cy="3086100"/>
           </a:xfrm>
           <a:prstGeom prst="roundRect">
@@ -3524,53 +3524,6 @@
           </a:p>
         </p:txBody>
       </p:sp>
-      <p:pic>
-        <p:nvPicPr>
-          <p:cNvPr id="1026" name="Picture 2" descr="Cristiano Ronaldo Drinking GIF - Cristiano Ronaldo Drinking Wink - Discover  &amp; Share GIFs">
-            <a:extLst>
-              <a:ext uri="{FF2B5EF4-FFF2-40B4-BE49-F238E27FC236}">
-                <a16:creationId xmlns:a16="http://schemas.microsoft.com/office/drawing/2014/main" id="{E69AE2B2-969C-5419-A351-E8F335E305CD}"/>
-              </a:ext>
-            </a:extLst>
-          </p:cNvPr>
-          <p:cNvPicPr>
-            <a:picLocks noChangeAspect="1" noChangeArrowheads="1"/>
-          </p:cNvPicPr>
-          <p:nvPr/>
-        </p:nvPicPr>
-        <p:blipFill>
-          <a:blip r:embed="rId2">
-            <a:extLst>
-              <a:ext uri="{28A0092B-C50C-407E-A947-70E740481C1C}">
-                <a14:useLocalDpi xmlns:a14="http://schemas.microsoft.com/office/drawing/2010/main" val="0"/>
-              </a:ext>
-            </a:extLst>
-          </a:blip>
-          <a:srcRect/>
-          <a:stretch>
-            <a:fillRect/>
-          </a:stretch>
-        </p:blipFill>
-        <p:spPr bwMode="auto">
-          <a:xfrm>
-            <a:off x="10512416" y="5002823"/>
-            <a:ext cx="1679584" cy="1855177"/>
-          </a:xfrm>
-          <a:prstGeom prst="rect">
-            <a:avLst/>
-          </a:prstGeom>
-          <a:noFill/>
-          <a:extLst>
-            <a:ext uri="{909E8E84-426E-40DD-AFC4-6F175D3DCCD1}">
-              <a14:hiddenFill xmlns:a14="http://schemas.microsoft.com/office/drawing/2010/main">
-                <a:solidFill>
-                  <a:srgbClr val="FFFFFF"/>
-                </a:solidFill>
-              </a14:hiddenFill>
-            </a:ext>
-          </a:extLst>
-        </p:spPr>
-      </p:pic>
     </p:spTree>
     <p:extLst>
       <p:ext uri="{BB962C8B-B14F-4D97-AF65-F5344CB8AC3E}">
@@ -5259,53 +5212,6 @@
           </a:p>
         </p:txBody>
       </p:sp>
-      <p:pic>
-        <p:nvPicPr>
-          <p:cNvPr id="3078" name="Picture 6" descr="Approved Meme GIFs | Tenor">
-            <a:extLst>
-              <a:ext uri="{FF2B5EF4-FFF2-40B4-BE49-F238E27FC236}">
-                <a16:creationId xmlns:a16="http://schemas.microsoft.com/office/drawing/2014/main" id="{B7DEBB6A-2841-BAD9-64D7-8FD63852EFEC}"/>
-              </a:ext>
-            </a:extLst>
-          </p:cNvPr>
-          <p:cNvPicPr>
-            <a:picLocks noChangeAspect="1" noChangeArrowheads="1"/>
-          </p:cNvPicPr>
-          <p:nvPr/>
-        </p:nvPicPr>
-        <p:blipFill>
-          <a:blip r:embed="rId2">
-            <a:extLst>
-              <a:ext uri="{28A0092B-C50C-407E-A947-70E740481C1C}">
-                <a14:useLocalDpi xmlns:a14="http://schemas.microsoft.com/office/drawing/2010/main" val="0"/>
-              </a:ext>
-            </a:extLst>
-          </a:blip>
-          <a:srcRect/>
-          <a:stretch>
-            <a:fillRect/>
-          </a:stretch>
-        </p:blipFill>
-        <p:spPr bwMode="auto">
-          <a:xfrm>
-            <a:off x="3810000" y="4286250"/>
-            <a:ext cx="4572000" cy="2571750"/>
-          </a:xfrm>
-          <a:prstGeom prst="rect">
-            <a:avLst/>
-          </a:prstGeom>
-          <a:noFill/>
-          <a:extLst>
-            <a:ext uri="{909E8E84-426E-40DD-AFC4-6F175D3DCCD1}">
-              <a14:hiddenFill xmlns:a14="http://schemas.microsoft.com/office/drawing/2010/main">
-                <a:solidFill>
-                  <a:srgbClr val="FFFFFF"/>
-                </a:solidFill>
-              </a14:hiddenFill>
-            </a:ext>
-          </a:extLst>
-        </p:spPr>
-      </p:pic>
     </p:spTree>
     <p:extLst>
       <p:ext uri="{BB962C8B-B14F-4D97-AF65-F5344CB8AC3E}">
